--- a/投影片/3..pptx
+++ b/投影片/3..pptx
@@ -8,7 +8,30 @@
     <p:sldId id="258" r:id="rId2"/>
     <p:sldId id="259" r:id="rId3"/>
     <p:sldId id="261" r:id="rId4"/>
-    <p:sldId id="260" r:id="rId5"/>
+    <p:sldId id="263" r:id="rId5"/>
+    <p:sldId id="264" r:id="rId6"/>
+    <p:sldId id="260" r:id="rId7"/>
+    <p:sldId id="262" r:id="rId8"/>
+    <p:sldId id="265" r:id="rId9"/>
+    <p:sldId id="266" r:id="rId10"/>
+    <p:sldId id="267" r:id="rId11"/>
+    <p:sldId id="268" r:id="rId12"/>
+    <p:sldId id="270" r:id="rId13"/>
+    <p:sldId id="269" r:id="rId14"/>
+    <p:sldId id="272" r:id="rId15"/>
+    <p:sldId id="273" r:id="rId16"/>
+    <p:sldId id="274" r:id="rId17"/>
+    <p:sldId id="282" r:id="rId18"/>
+    <p:sldId id="283" r:id="rId19"/>
+    <p:sldId id="271" r:id="rId20"/>
+    <p:sldId id="275" r:id="rId21"/>
+    <p:sldId id="276" r:id="rId22"/>
+    <p:sldId id="278" r:id="rId23"/>
+    <p:sldId id="279" r:id="rId24"/>
+    <p:sldId id="280" r:id="rId25"/>
+    <p:sldId id="281" r:id="rId26"/>
+    <p:sldId id="284" r:id="rId27"/>
+    <p:sldId id="285" r:id="rId28"/>
   </p:sldIdLst>
   <p:sldSz cx="12192000" cy="6858000"/>
   <p:notesSz cx="6858000" cy="9144000"/>
@@ -149,7 +172,7 @@
           <a:p>
             <a:fld id="{31CDE89B-FBD9-4E23-BEEB-B0C8819124B3}" type="datetimeFigureOut">
               <a:rPr lang="zh-TW" altLang="en-US" smtClean="0"/>
-              <a:t>2022/2/17</a:t>
+              <a:t>2022/2/19</a:t>
             </a:fld>
             <a:endParaRPr lang="zh-TW" altLang="en-US"/>
           </a:p>
@@ -3020,7 +3043,7 @@
           <a:p>
             <a:fld id="{31CDE89B-FBD9-4E23-BEEB-B0C8819124B3}" type="datetimeFigureOut">
               <a:rPr lang="zh-TW" altLang="en-US" smtClean="0"/>
-              <a:t>2022/2/17</a:t>
+              <a:t>2022/2/19</a:t>
             </a:fld>
             <a:endParaRPr lang="zh-TW" altLang="en-US"/>
           </a:p>
@@ -3212,7 +3235,7 @@
           <a:p>
             <a:fld id="{31CDE89B-FBD9-4E23-BEEB-B0C8819124B3}" type="datetimeFigureOut">
               <a:rPr lang="zh-TW" altLang="en-US" smtClean="0"/>
-              <a:t>2022/2/17</a:t>
+              <a:t>2022/2/19</a:t>
             </a:fld>
             <a:endParaRPr lang="zh-TW" altLang="en-US"/>
           </a:p>
@@ -3408,7 +3431,7 @@
           <a:p>
             <a:fld id="{31CDE89B-FBD9-4E23-BEEB-B0C8819124B3}" type="datetimeFigureOut">
               <a:rPr lang="zh-TW" altLang="en-US" smtClean="0"/>
-              <a:t>2022/2/17</a:t>
+              <a:t>2022/2/19</a:t>
             </a:fld>
             <a:endParaRPr lang="zh-TW" altLang="en-US"/>
           </a:p>
@@ -4504,7 +4527,7 @@
           <a:p>
             <a:fld id="{31CDE89B-FBD9-4E23-BEEB-B0C8819124B3}" type="datetimeFigureOut">
               <a:rPr lang="zh-TW" altLang="en-US" smtClean="0"/>
-              <a:t>2022/2/17</a:t>
+              <a:t>2022/2/19</a:t>
             </a:fld>
             <a:endParaRPr lang="zh-TW" altLang="en-US"/>
           </a:p>
@@ -4753,7 +4776,7 @@
           <a:p>
             <a:fld id="{31CDE89B-FBD9-4E23-BEEB-B0C8819124B3}" type="datetimeFigureOut">
               <a:rPr lang="zh-TW" altLang="en-US" smtClean="0"/>
-              <a:t>2022/2/17</a:t>
+              <a:t>2022/2/19</a:t>
             </a:fld>
             <a:endParaRPr lang="zh-TW" altLang="en-US"/>
           </a:p>
@@ -5132,7 +5155,7 @@
           <a:p>
             <a:fld id="{31CDE89B-FBD9-4E23-BEEB-B0C8819124B3}" type="datetimeFigureOut">
               <a:rPr lang="zh-TW" altLang="en-US" smtClean="0"/>
-              <a:t>2022/2/17</a:t>
+              <a:t>2022/2/19</a:t>
             </a:fld>
             <a:endParaRPr lang="zh-TW" altLang="en-US"/>
           </a:p>
@@ -5262,7 +5285,7 @@
           <a:p>
             <a:fld id="{31CDE89B-FBD9-4E23-BEEB-B0C8819124B3}" type="datetimeFigureOut">
               <a:rPr lang="zh-TW" altLang="en-US" smtClean="0"/>
-              <a:t>2022/2/17</a:t>
+              <a:t>2022/2/19</a:t>
             </a:fld>
             <a:endParaRPr lang="zh-TW" altLang="en-US"/>
           </a:p>
@@ -5369,7 +5392,7 @@
           <a:p>
             <a:fld id="{31CDE89B-FBD9-4E23-BEEB-B0C8819124B3}" type="datetimeFigureOut">
               <a:rPr lang="zh-TW" altLang="en-US" smtClean="0"/>
-              <a:t>2022/2/17</a:t>
+              <a:t>2022/2/19</a:t>
             </a:fld>
             <a:endParaRPr lang="zh-TW" altLang="en-US"/>
           </a:p>
@@ -5658,7 +5681,7 @@
           <a:p>
             <a:fld id="{31CDE89B-FBD9-4E23-BEEB-B0C8819124B3}" type="datetimeFigureOut">
               <a:rPr lang="zh-TW" altLang="en-US" smtClean="0"/>
-              <a:t>2022/2/17</a:t>
+              <a:t>2022/2/19</a:t>
             </a:fld>
             <a:endParaRPr lang="zh-TW" altLang="en-US"/>
           </a:p>
@@ -5923,7 +5946,7 @@
           <a:p>
             <a:fld id="{31CDE89B-FBD9-4E23-BEEB-B0C8819124B3}" type="datetimeFigureOut">
               <a:rPr lang="zh-TW" altLang="en-US" smtClean="0"/>
-              <a:t>2022/2/17</a:t>
+              <a:t>2022/2/19</a:t>
             </a:fld>
             <a:endParaRPr lang="zh-TW" altLang="en-US"/>
           </a:p>
@@ -6148,7 +6171,7 @@
           <a:p>
             <a:fld id="{31CDE89B-FBD9-4E23-BEEB-B0C8819124B3}" type="datetimeFigureOut">
               <a:rPr lang="zh-TW" altLang="en-US" smtClean="0"/>
-              <a:t>2022/2/17</a:t>
+              <a:t>2022/2/19</a:t>
             </a:fld>
             <a:endParaRPr lang="zh-TW" altLang="en-US"/>
           </a:p>
@@ -6642,6 +6665,958 @@
 </p:sld>
 </file>
 
+<file path=ppt/slides/slide10.xml><?xml version="1.0" encoding="utf-8"?>
+<p:sld xmlns:a="http://schemas.openxmlformats.org/drawingml/2006/main" xmlns:r="http://schemas.openxmlformats.org/officeDocument/2006/relationships" xmlns:p="http://schemas.openxmlformats.org/presentationml/2006/main">
+  <p:cSld>
+    <p:spTree>
+      <p:nvGrpSpPr>
+        <p:cNvPr id="1" name=""/>
+        <p:cNvGrpSpPr/>
+        <p:nvPr/>
+      </p:nvGrpSpPr>
+      <p:grpSpPr>
+        <a:xfrm>
+          <a:off x="0" y="0"/>
+          <a:ext cx="0" cy="0"/>
+          <a:chOff x="0" y="0"/>
+          <a:chExt cx="0" cy="0"/>
+        </a:xfrm>
+      </p:grpSpPr>
+      <p:sp>
+        <p:nvSpPr>
+          <p:cNvPr id="2" name="標題 1"/>
+          <p:cNvSpPr>
+            <a:spLocks noGrp="1"/>
+          </p:cNvSpPr>
+          <p:nvPr>
+            <p:ph type="title"/>
+          </p:nvPr>
+        </p:nvSpPr>
+        <p:spPr/>
+        <p:txBody>
+          <a:bodyPr/>
+          <a:lstStyle/>
+          <a:p>
+            <a:r>
+              <a:rPr lang="en-US" altLang="zh-TW" dirty="0" err="1"/>
+              <a:t>SqlDataSource</a:t>
+            </a:r>
+            <a:r>
+              <a:rPr lang="en-US" altLang="zh-TW" dirty="0" smtClean="0"/>
+              <a:t>+</a:t>
+            </a:r>
+            <a:r>
+              <a:rPr lang="zh-TW" altLang="en-US" dirty="0"/>
+              <a:t>清單</a:t>
+            </a:r>
+          </a:p>
+        </p:txBody>
+      </p:sp>
+      <p:sp>
+        <p:nvSpPr>
+          <p:cNvPr id="3" name="內容版面配置區 2"/>
+          <p:cNvSpPr>
+            <a:spLocks noGrp="1"/>
+          </p:cNvSpPr>
+          <p:nvPr>
+            <p:ph idx="1"/>
+          </p:nvPr>
+        </p:nvSpPr>
+        <p:spPr/>
+        <p:txBody>
+          <a:bodyPr/>
+          <a:lstStyle/>
+          <a:p>
+            <a:r>
+              <a:rPr lang="en-US" altLang="zh-TW" dirty="0" err="1"/>
+              <a:t>SqlDataSource</a:t>
+            </a:r>
+            <a:r>
+              <a:rPr lang="en-US" altLang="zh-TW" dirty="0"/>
+              <a:t> + </a:t>
+            </a:r>
+            <a:r>
+              <a:rPr lang="en-US" altLang="zh-TW" dirty="0" err="1"/>
+              <a:t>GridView</a:t>
+            </a:r>
+            <a:endParaRPr lang="en-US" altLang="zh-TW" dirty="0"/>
+          </a:p>
+          <a:p>
+            <a:r>
+              <a:rPr lang="en-US" altLang="zh-TW" dirty="0" err="1"/>
+              <a:t>SqlDataSource</a:t>
+            </a:r>
+            <a:r>
+              <a:rPr lang="en-US" altLang="zh-TW" dirty="0"/>
+              <a:t> + </a:t>
+            </a:r>
+            <a:r>
+              <a:rPr lang="en-US" altLang="zh-TW" dirty="0" err="1"/>
+              <a:t>DetailsView</a:t>
+            </a:r>
+            <a:endParaRPr lang="en-US" altLang="zh-TW" dirty="0"/>
+          </a:p>
+          <a:p>
+            <a:endParaRPr lang="zh-TW" altLang="en-US" dirty="0"/>
+          </a:p>
+        </p:txBody>
+      </p:sp>
+    </p:spTree>
+    <p:extLst>
+      <p:ext uri="{BB962C8B-B14F-4D97-AF65-F5344CB8AC3E}">
+        <p14:creationId xmlns:p14="http://schemas.microsoft.com/office/powerpoint/2010/main" val="3082703564"/>
+      </p:ext>
+    </p:extLst>
+  </p:cSld>
+  <p:clrMapOvr>
+    <a:masterClrMapping/>
+  </p:clrMapOvr>
+  <mc:AlternateContent xmlns:mc="http://schemas.openxmlformats.org/markup-compatibility/2006" xmlns:p14="http://schemas.microsoft.com/office/powerpoint/2010/main">
+    <mc:Choice Requires="p14">
+      <p:transition spd="slow" p14:dur="1500">
+        <p:random/>
+      </p:transition>
+    </mc:Choice>
+    <mc:Fallback xmlns="">
+      <p:transition spd="slow">
+        <p:random/>
+      </p:transition>
+    </mc:Fallback>
+  </mc:AlternateContent>
+</p:sld>
+</file>
+
+<file path=ppt/slides/slide11.xml><?xml version="1.0" encoding="utf-8"?>
+<p:sld xmlns:a="http://schemas.openxmlformats.org/drawingml/2006/main" xmlns:r="http://schemas.openxmlformats.org/officeDocument/2006/relationships" xmlns:p="http://schemas.openxmlformats.org/presentationml/2006/main">
+  <p:cSld>
+    <p:spTree>
+      <p:nvGrpSpPr>
+        <p:cNvPr id="1" name=""/>
+        <p:cNvGrpSpPr/>
+        <p:nvPr/>
+      </p:nvGrpSpPr>
+      <p:grpSpPr>
+        <a:xfrm>
+          <a:off x="0" y="0"/>
+          <a:ext cx="0" cy="0"/>
+          <a:chOff x="0" y="0"/>
+          <a:chExt cx="0" cy="0"/>
+        </a:xfrm>
+      </p:grpSpPr>
+      <p:sp>
+        <p:nvSpPr>
+          <p:cNvPr id="2" name="標題 1"/>
+          <p:cNvSpPr>
+            <a:spLocks noGrp="1"/>
+          </p:cNvSpPr>
+          <p:nvPr>
+            <p:ph type="title"/>
+          </p:nvPr>
+        </p:nvSpPr>
+        <p:spPr/>
+        <p:txBody>
+          <a:bodyPr/>
+          <a:lstStyle/>
+          <a:p>
+            <a:r>
+              <a:rPr lang="en-US" altLang="zh-TW" dirty="0" err="1"/>
+              <a:t>SqlDataSource</a:t>
+            </a:r>
+            <a:r>
+              <a:rPr lang="en-US" altLang="zh-TW" dirty="0"/>
+              <a:t>+</a:t>
+            </a:r>
+            <a:r>
+              <a:rPr lang="zh-TW" altLang="en-US" dirty="0" smtClean="0"/>
+              <a:t>清單 </a:t>
+            </a:r>
+            <a:r>
+              <a:rPr lang="en-US" altLang="zh-TW" dirty="0" smtClean="0"/>
+              <a:t>CRUD</a:t>
+            </a:r>
+            <a:endParaRPr lang="zh-TW" altLang="en-US" dirty="0"/>
+          </a:p>
+        </p:txBody>
+      </p:sp>
+      <p:sp>
+        <p:nvSpPr>
+          <p:cNvPr id="3" name="內容版面配置區 2"/>
+          <p:cNvSpPr>
+            <a:spLocks noGrp="1"/>
+          </p:cNvSpPr>
+          <p:nvPr>
+            <p:ph idx="1"/>
+          </p:nvPr>
+        </p:nvSpPr>
+        <p:spPr/>
+        <p:txBody>
+          <a:bodyPr/>
+          <a:lstStyle/>
+          <a:p>
+            <a:endParaRPr lang="zh-TW" altLang="en-US"/>
+          </a:p>
+        </p:txBody>
+      </p:sp>
+    </p:spTree>
+    <p:extLst>
+      <p:ext uri="{BB962C8B-B14F-4D97-AF65-F5344CB8AC3E}">
+        <p14:creationId xmlns:p14="http://schemas.microsoft.com/office/powerpoint/2010/main" val="584942614"/>
+      </p:ext>
+    </p:extLst>
+  </p:cSld>
+  <p:clrMapOvr>
+    <a:masterClrMapping/>
+  </p:clrMapOvr>
+  <mc:AlternateContent xmlns:mc="http://schemas.openxmlformats.org/markup-compatibility/2006" xmlns:p14="http://schemas.microsoft.com/office/powerpoint/2010/main">
+    <mc:Choice Requires="p14">
+      <p:transition spd="slow" p14:dur="1500">
+        <p:random/>
+      </p:transition>
+    </mc:Choice>
+    <mc:Fallback xmlns="">
+      <p:transition spd="slow">
+        <p:random/>
+      </p:transition>
+    </mc:Fallback>
+  </mc:AlternateContent>
+</p:sld>
+</file>
+
+<file path=ppt/slides/slide12.xml><?xml version="1.0" encoding="utf-8"?>
+<p:sld xmlns:a="http://schemas.openxmlformats.org/drawingml/2006/main" xmlns:r="http://schemas.openxmlformats.org/officeDocument/2006/relationships" xmlns:p="http://schemas.openxmlformats.org/presentationml/2006/main">
+  <p:cSld>
+    <p:spTree>
+      <p:nvGrpSpPr>
+        <p:cNvPr id="1" name=""/>
+        <p:cNvGrpSpPr/>
+        <p:nvPr/>
+      </p:nvGrpSpPr>
+      <p:grpSpPr>
+        <a:xfrm>
+          <a:off x="0" y="0"/>
+          <a:ext cx="0" cy="0"/>
+          <a:chOff x="0" y="0"/>
+          <a:chExt cx="0" cy="0"/>
+        </a:xfrm>
+      </p:grpSpPr>
+      <p:sp>
+        <p:nvSpPr>
+          <p:cNvPr id="2" name="標題 1"/>
+          <p:cNvSpPr>
+            <a:spLocks noGrp="1"/>
+          </p:cNvSpPr>
+          <p:nvPr>
+            <p:ph type="title"/>
+          </p:nvPr>
+        </p:nvSpPr>
+        <p:spPr/>
+        <p:txBody>
+          <a:bodyPr/>
+          <a:lstStyle/>
+          <a:p>
+            <a:r>
+              <a:rPr lang="en-US" altLang="zh-TW" dirty="0" err="1" smtClean="0"/>
+              <a:t>GridView</a:t>
+            </a:r>
+            <a:endParaRPr lang="zh-TW" altLang="en-US" dirty="0"/>
+          </a:p>
+        </p:txBody>
+      </p:sp>
+      <p:sp>
+        <p:nvSpPr>
+          <p:cNvPr id="3" name="內容版面配置區 2"/>
+          <p:cNvSpPr>
+            <a:spLocks noGrp="1"/>
+          </p:cNvSpPr>
+          <p:nvPr>
+            <p:ph idx="1"/>
+          </p:nvPr>
+        </p:nvSpPr>
+        <p:spPr/>
+        <p:txBody>
+          <a:bodyPr/>
+          <a:lstStyle/>
+          <a:p>
+            <a:r>
+              <a:rPr lang="en-US" altLang="zh-TW" dirty="0" smtClean="0"/>
+              <a:t>Style</a:t>
+            </a:r>
+          </a:p>
+          <a:p>
+            <a:r>
+              <a:rPr lang="zh-TW" altLang="en-US" dirty="0" smtClean="0"/>
+              <a:t>分頁</a:t>
+            </a:r>
+            <a:endParaRPr lang="en-US" altLang="zh-TW" dirty="0" smtClean="0"/>
+          </a:p>
+          <a:p>
+            <a:r>
+              <a:rPr lang="zh-TW" altLang="en-US" dirty="0" smtClean="0"/>
+              <a:t>修改定位</a:t>
+            </a:r>
+            <a:endParaRPr lang="zh-TW" altLang="en-US" dirty="0"/>
+          </a:p>
+        </p:txBody>
+      </p:sp>
+    </p:spTree>
+    <p:extLst>
+      <p:ext uri="{BB962C8B-B14F-4D97-AF65-F5344CB8AC3E}">
+        <p14:creationId xmlns:p14="http://schemas.microsoft.com/office/powerpoint/2010/main" val="37245547"/>
+      </p:ext>
+    </p:extLst>
+  </p:cSld>
+  <p:clrMapOvr>
+    <a:masterClrMapping/>
+  </p:clrMapOvr>
+  <mc:AlternateContent xmlns:mc="http://schemas.openxmlformats.org/markup-compatibility/2006" xmlns:p14="http://schemas.microsoft.com/office/powerpoint/2010/main">
+    <mc:Choice Requires="p14">
+      <p:transition spd="slow" p14:dur="1500">
+        <p:random/>
+      </p:transition>
+    </mc:Choice>
+    <mc:Fallback xmlns="">
+      <p:transition spd="slow">
+        <p:random/>
+      </p:transition>
+    </mc:Fallback>
+  </mc:AlternateContent>
+</p:sld>
+</file>
+
+<file path=ppt/slides/slide13.xml><?xml version="1.0" encoding="utf-8"?>
+<p:sld xmlns:a="http://schemas.openxmlformats.org/drawingml/2006/main" xmlns:r="http://schemas.openxmlformats.org/officeDocument/2006/relationships" xmlns:p="http://schemas.openxmlformats.org/presentationml/2006/main">
+  <p:cSld>
+    <p:spTree>
+      <p:nvGrpSpPr>
+        <p:cNvPr id="1" name=""/>
+        <p:cNvGrpSpPr/>
+        <p:nvPr/>
+      </p:nvGrpSpPr>
+      <p:grpSpPr>
+        <a:xfrm>
+          <a:off x="0" y="0"/>
+          <a:ext cx="0" cy="0"/>
+          <a:chOff x="0" y="0"/>
+          <a:chExt cx="0" cy="0"/>
+        </a:xfrm>
+      </p:grpSpPr>
+      <p:sp>
+        <p:nvSpPr>
+          <p:cNvPr id="2" name="標題 1"/>
+          <p:cNvSpPr>
+            <a:spLocks noGrp="1"/>
+          </p:cNvSpPr>
+          <p:nvPr>
+            <p:ph type="title"/>
+          </p:nvPr>
+        </p:nvSpPr>
+        <p:spPr/>
+        <p:txBody>
+          <a:bodyPr/>
+          <a:lstStyle/>
+          <a:p>
+            <a:r>
+              <a:rPr lang="en-US" altLang="zh-TW" dirty="0" smtClean="0"/>
+              <a:t>ADO.net</a:t>
+            </a:r>
+            <a:endParaRPr lang="zh-TW" altLang="en-US" dirty="0"/>
+          </a:p>
+        </p:txBody>
+      </p:sp>
+      <p:sp>
+        <p:nvSpPr>
+          <p:cNvPr id="3" name="內容版面配置區 2"/>
+          <p:cNvSpPr>
+            <a:spLocks noGrp="1"/>
+          </p:cNvSpPr>
+          <p:nvPr>
+            <p:ph idx="1"/>
+          </p:nvPr>
+        </p:nvSpPr>
+        <p:spPr/>
+        <p:txBody>
+          <a:bodyPr/>
+          <a:lstStyle/>
+          <a:p>
+            <a:r>
+              <a:rPr lang="zh-TW" altLang="en-US" dirty="0" smtClean="0"/>
+              <a:t>介紹</a:t>
+            </a:r>
+            <a:endParaRPr lang="en-US" altLang="zh-TW" dirty="0" smtClean="0"/>
+          </a:p>
+          <a:p>
+            <a:r>
+              <a:rPr lang="zh-TW" altLang="en-US" dirty="0" smtClean="0"/>
+              <a:t>架構圖</a:t>
+            </a:r>
+            <a:r>
+              <a:rPr lang="en-US" altLang="zh-TW" dirty="0" smtClean="0"/>
+              <a:t>14-3</a:t>
+            </a:r>
+            <a:endParaRPr lang="zh-TW" altLang="en-US" dirty="0"/>
+          </a:p>
+        </p:txBody>
+      </p:sp>
+    </p:spTree>
+    <p:extLst>
+      <p:ext uri="{BB962C8B-B14F-4D97-AF65-F5344CB8AC3E}">
+        <p14:creationId xmlns:p14="http://schemas.microsoft.com/office/powerpoint/2010/main" val="1305852407"/>
+      </p:ext>
+    </p:extLst>
+  </p:cSld>
+  <p:clrMapOvr>
+    <a:masterClrMapping/>
+  </p:clrMapOvr>
+  <mc:AlternateContent xmlns:mc="http://schemas.openxmlformats.org/markup-compatibility/2006" xmlns:p14="http://schemas.microsoft.com/office/powerpoint/2010/main">
+    <mc:Choice Requires="p14">
+      <p:transition spd="slow" p14:dur="1500">
+        <p:random/>
+      </p:transition>
+    </mc:Choice>
+    <mc:Fallback xmlns="">
+      <p:transition spd="slow">
+        <p:random/>
+      </p:transition>
+    </mc:Fallback>
+  </mc:AlternateContent>
+</p:sld>
+</file>
+
+<file path=ppt/slides/slide14.xml><?xml version="1.0" encoding="utf-8"?>
+<p:sld xmlns:a="http://schemas.openxmlformats.org/drawingml/2006/main" xmlns:r="http://schemas.openxmlformats.org/officeDocument/2006/relationships" xmlns:p="http://schemas.openxmlformats.org/presentationml/2006/main">
+  <p:cSld>
+    <p:spTree>
+      <p:nvGrpSpPr>
+        <p:cNvPr id="1" name=""/>
+        <p:cNvGrpSpPr/>
+        <p:nvPr/>
+      </p:nvGrpSpPr>
+      <p:grpSpPr>
+        <a:xfrm>
+          <a:off x="0" y="0"/>
+          <a:ext cx="0" cy="0"/>
+          <a:chOff x="0" y="0"/>
+          <a:chExt cx="0" cy="0"/>
+        </a:xfrm>
+      </p:grpSpPr>
+      <p:sp>
+        <p:nvSpPr>
+          <p:cNvPr id="2" name="標題 1"/>
+          <p:cNvSpPr>
+            <a:spLocks noGrp="1"/>
+          </p:cNvSpPr>
+          <p:nvPr>
+            <p:ph type="title"/>
+          </p:nvPr>
+        </p:nvSpPr>
+        <p:spPr/>
+        <p:txBody>
+          <a:bodyPr/>
+          <a:lstStyle/>
+          <a:p>
+            <a:r>
+              <a:rPr lang="zh-TW" altLang="en-US" dirty="0"/>
+              <a:t>四大步驟</a:t>
+            </a:r>
+          </a:p>
+        </p:txBody>
+      </p:sp>
+      <p:sp>
+        <p:nvSpPr>
+          <p:cNvPr id="3" name="內容版面配置區 2"/>
+          <p:cNvSpPr>
+            <a:spLocks noGrp="1"/>
+          </p:cNvSpPr>
+          <p:nvPr>
+            <p:ph idx="1"/>
+          </p:nvPr>
+        </p:nvSpPr>
+        <p:spPr/>
+        <p:txBody>
+          <a:bodyPr/>
+          <a:lstStyle/>
+          <a:p>
+            <a:r>
+              <a:rPr lang="zh-TW" altLang="en-US" dirty="0" smtClean="0"/>
+              <a:t>連結資料庫</a:t>
+            </a:r>
+            <a:endParaRPr lang="en-US" altLang="zh-TW" dirty="0" smtClean="0"/>
+          </a:p>
+          <a:p>
+            <a:r>
+              <a:rPr lang="zh-TW" altLang="en-US" dirty="0" smtClean="0"/>
+              <a:t>執行</a:t>
+            </a:r>
+            <a:endParaRPr lang="en-US" altLang="zh-TW" dirty="0" smtClean="0"/>
+          </a:p>
+          <a:p>
+            <a:r>
+              <a:rPr lang="zh-TW" altLang="en-US" dirty="0"/>
+              <a:t>自由</a:t>
+            </a:r>
+            <a:r>
+              <a:rPr lang="zh-TW" altLang="en-US" dirty="0" smtClean="0"/>
+              <a:t>發揮</a:t>
+            </a:r>
+            <a:endParaRPr lang="en-US" altLang="zh-TW" dirty="0" smtClean="0"/>
+          </a:p>
+          <a:p>
+            <a:r>
+              <a:rPr lang="zh-TW" altLang="en-US" dirty="0"/>
+              <a:t>關閉</a:t>
+            </a:r>
+          </a:p>
+        </p:txBody>
+      </p:sp>
+    </p:spTree>
+    <p:extLst>
+      <p:ext uri="{BB962C8B-B14F-4D97-AF65-F5344CB8AC3E}">
+        <p14:creationId xmlns:p14="http://schemas.microsoft.com/office/powerpoint/2010/main" val="3959327576"/>
+      </p:ext>
+    </p:extLst>
+  </p:cSld>
+  <p:clrMapOvr>
+    <a:masterClrMapping/>
+  </p:clrMapOvr>
+  <mc:AlternateContent xmlns:mc="http://schemas.openxmlformats.org/markup-compatibility/2006" xmlns:p14="http://schemas.microsoft.com/office/powerpoint/2010/main">
+    <mc:Choice Requires="p14">
+      <p:transition spd="slow" p14:dur="1500">
+        <p:random/>
+      </p:transition>
+    </mc:Choice>
+    <mc:Fallback xmlns="">
+      <p:transition spd="slow">
+        <p:random/>
+      </p:transition>
+    </mc:Fallback>
+  </mc:AlternateContent>
+</p:sld>
+</file>
+
+<file path=ppt/slides/slide15.xml><?xml version="1.0" encoding="utf-8"?>
+<p:sld xmlns:a="http://schemas.openxmlformats.org/drawingml/2006/main" xmlns:r="http://schemas.openxmlformats.org/officeDocument/2006/relationships" xmlns:p="http://schemas.openxmlformats.org/presentationml/2006/main">
+  <p:cSld>
+    <p:spTree>
+      <p:nvGrpSpPr>
+        <p:cNvPr id="1" name=""/>
+        <p:cNvGrpSpPr/>
+        <p:nvPr/>
+      </p:nvGrpSpPr>
+      <p:grpSpPr>
+        <a:xfrm>
+          <a:off x="0" y="0"/>
+          <a:ext cx="0" cy="0"/>
+          <a:chOff x="0" y="0"/>
+          <a:chExt cx="0" cy="0"/>
+        </a:xfrm>
+      </p:grpSpPr>
+      <p:sp>
+        <p:nvSpPr>
+          <p:cNvPr id="2" name="標題 1"/>
+          <p:cNvSpPr>
+            <a:spLocks noGrp="1"/>
+          </p:cNvSpPr>
+          <p:nvPr>
+            <p:ph type="title"/>
+          </p:nvPr>
+        </p:nvSpPr>
+        <p:spPr/>
+        <p:txBody>
+          <a:bodyPr/>
+          <a:lstStyle/>
+          <a:p>
+            <a:r>
+              <a:rPr lang="en-US" altLang="zh-TW" dirty="0" err="1" smtClean="0"/>
+              <a:t>sqlconnection</a:t>
+            </a:r>
+            <a:endParaRPr lang="zh-TW" altLang="en-US" dirty="0"/>
+          </a:p>
+        </p:txBody>
+      </p:sp>
+      <p:sp>
+        <p:nvSpPr>
+          <p:cNvPr id="3" name="內容版面配置區 2"/>
+          <p:cNvSpPr>
+            <a:spLocks noGrp="1"/>
+          </p:cNvSpPr>
+          <p:nvPr>
+            <p:ph idx="1"/>
+          </p:nvPr>
+        </p:nvSpPr>
+        <p:spPr/>
+        <p:txBody>
+          <a:bodyPr/>
+          <a:lstStyle/>
+          <a:p>
+            <a:endParaRPr lang="zh-TW" altLang="en-US"/>
+          </a:p>
+        </p:txBody>
+      </p:sp>
+    </p:spTree>
+    <p:extLst>
+      <p:ext uri="{BB962C8B-B14F-4D97-AF65-F5344CB8AC3E}">
+        <p14:creationId xmlns:p14="http://schemas.microsoft.com/office/powerpoint/2010/main" val="2141628974"/>
+      </p:ext>
+    </p:extLst>
+  </p:cSld>
+  <p:clrMapOvr>
+    <a:masterClrMapping/>
+  </p:clrMapOvr>
+  <mc:AlternateContent xmlns:mc="http://schemas.openxmlformats.org/markup-compatibility/2006" xmlns:p14="http://schemas.microsoft.com/office/powerpoint/2010/main">
+    <mc:Choice Requires="p14">
+      <p:transition spd="slow" p14:dur="1500">
+        <p:random/>
+      </p:transition>
+    </mc:Choice>
+    <mc:Fallback xmlns="">
+      <p:transition spd="slow">
+        <p:random/>
+      </p:transition>
+    </mc:Fallback>
+  </mc:AlternateContent>
+</p:sld>
+</file>
+
+<file path=ppt/slides/slide16.xml><?xml version="1.0" encoding="utf-8"?>
+<p:sld xmlns:a="http://schemas.openxmlformats.org/drawingml/2006/main" xmlns:r="http://schemas.openxmlformats.org/officeDocument/2006/relationships" xmlns:p="http://schemas.openxmlformats.org/presentationml/2006/main">
+  <p:cSld>
+    <p:spTree>
+      <p:nvGrpSpPr>
+        <p:cNvPr id="1" name=""/>
+        <p:cNvGrpSpPr/>
+        <p:nvPr/>
+      </p:nvGrpSpPr>
+      <p:grpSpPr>
+        <a:xfrm>
+          <a:off x="0" y="0"/>
+          <a:ext cx="0" cy="0"/>
+          <a:chOff x="0" y="0"/>
+          <a:chExt cx="0" cy="0"/>
+        </a:xfrm>
+      </p:grpSpPr>
+      <p:sp>
+        <p:nvSpPr>
+          <p:cNvPr id="2" name="標題 1"/>
+          <p:cNvSpPr>
+            <a:spLocks noGrp="1"/>
+          </p:cNvSpPr>
+          <p:nvPr>
+            <p:ph type="title"/>
+          </p:nvPr>
+        </p:nvSpPr>
+        <p:spPr/>
+        <p:txBody>
+          <a:bodyPr/>
+          <a:lstStyle/>
+          <a:p>
+            <a:r>
+              <a:rPr lang="en-US" altLang="zh-TW" dirty="0" err="1" smtClean="0"/>
+              <a:t>sqlcommand</a:t>
+            </a:r>
+            <a:endParaRPr lang="zh-TW" altLang="en-US" dirty="0"/>
+          </a:p>
+        </p:txBody>
+      </p:sp>
+      <p:sp>
+        <p:nvSpPr>
+          <p:cNvPr id="3" name="內容版面配置區 2"/>
+          <p:cNvSpPr>
+            <a:spLocks noGrp="1"/>
+          </p:cNvSpPr>
+          <p:nvPr>
+            <p:ph idx="1"/>
+          </p:nvPr>
+        </p:nvSpPr>
+        <p:spPr/>
+        <p:txBody>
+          <a:bodyPr/>
+          <a:lstStyle/>
+          <a:p>
+            <a:endParaRPr lang="zh-TW" altLang="en-US"/>
+          </a:p>
+        </p:txBody>
+      </p:sp>
+    </p:spTree>
+    <p:extLst>
+      <p:ext uri="{BB962C8B-B14F-4D97-AF65-F5344CB8AC3E}">
+        <p14:creationId xmlns:p14="http://schemas.microsoft.com/office/powerpoint/2010/main" val="4280246945"/>
+      </p:ext>
+    </p:extLst>
+  </p:cSld>
+  <p:clrMapOvr>
+    <a:masterClrMapping/>
+  </p:clrMapOvr>
+  <mc:AlternateContent xmlns:mc="http://schemas.openxmlformats.org/markup-compatibility/2006" xmlns:p14="http://schemas.microsoft.com/office/powerpoint/2010/main">
+    <mc:Choice Requires="p14">
+      <p:transition spd="slow" p14:dur="1500">
+        <p:random/>
+      </p:transition>
+    </mc:Choice>
+    <mc:Fallback xmlns="">
+      <p:transition spd="slow">
+        <p:random/>
+      </p:transition>
+    </mc:Fallback>
+  </mc:AlternateContent>
+</p:sld>
+</file>
+
+<file path=ppt/slides/slide17.xml><?xml version="1.0" encoding="utf-8"?>
+<p:sld xmlns:a="http://schemas.openxmlformats.org/drawingml/2006/main" xmlns:r="http://schemas.openxmlformats.org/officeDocument/2006/relationships" xmlns:p="http://schemas.openxmlformats.org/presentationml/2006/main">
+  <p:cSld>
+    <p:spTree>
+      <p:nvGrpSpPr>
+        <p:cNvPr id="1" name=""/>
+        <p:cNvGrpSpPr/>
+        <p:nvPr/>
+      </p:nvGrpSpPr>
+      <p:grpSpPr>
+        <a:xfrm>
+          <a:off x="0" y="0"/>
+          <a:ext cx="0" cy="0"/>
+          <a:chOff x="0" y="0"/>
+          <a:chExt cx="0" cy="0"/>
+        </a:xfrm>
+      </p:grpSpPr>
+      <p:sp>
+        <p:nvSpPr>
+          <p:cNvPr id="2" name="標題 1"/>
+          <p:cNvSpPr>
+            <a:spLocks noGrp="1"/>
+          </p:cNvSpPr>
+          <p:nvPr>
+            <p:ph type="title"/>
+          </p:nvPr>
+        </p:nvSpPr>
+        <p:spPr/>
+        <p:txBody>
+          <a:bodyPr/>
+          <a:lstStyle/>
+          <a:p>
+            <a:r>
+              <a:rPr lang="en-US" altLang="zh-TW" dirty="0" err="1"/>
+              <a:t>sqlparameter</a:t>
+            </a:r>
+            <a:endParaRPr lang="zh-TW" altLang="en-US" dirty="0"/>
+          </a:p>
+        </p:txBody>
+      </p:sp>
+      <p:sp>
+        <p:nvSpPr>
+          <p:cNvPr id="3" name="內容版面配置區 2"/>
+          <p:cNvSpPr>
+            <a:spLocks noGrp="1"/>
+          </p:cNvSpPr>
+          <p:nvPr>
+            <p:ph idx="1"/>
+          </p:nvPr>
+        </p:nvSpPr>
+        <p:spPr/>
+        <p:txBody>
+          <a:bodyPr/>
+          <a:lstStyle/>
+          <a:p>
+            <a:endParaRPr lang="zh-TW" altLang="en-US" dirty="0"/>
+          </a:p>
+        </p:txBody>
+      </p:sp>
+    </p:spTree>
+    <p:extLst>
+      <p:ext uri="{BB962C8B-B14F-4D97-AF65-F5344CB8AC3E}">
+        <p14:creationId xmlns:p14="http://schemas.microsoft.com/office/powerpoint/2010/main" val="3481202587"/>
+      </p:ext>
+    </p:extLst>
+  </p:cSld>
+  <p:clrMapOvr>
+    <a:masterClrMapping/>
+  </p:clrMapOvr>
+  <mc:AlternateContent xmlns:mc="http://schemas.openxmlformats.org/markup-compatibility/2006" xmlns:p14="http://schemas.microsoft.com/office/powerpoint/2010/main">
+    <mc:Choice Requires="p14">
+      <p:transition spd="slow" p14:dur="1500">
+        <p:random/>
+      </p:transition>
+    </mc:Choice>
+    <mc:Fallback xmlns="">
+      <p:transition spd="slow">
+        <p:random/>
+      </p:transition>
+    </mc:Fallback>
+  </mc:AlternateContent>
+</p:sld>
+</file>
+
+<file path=ppt/slides/slide18.xml><?xml version="1.0" encoding="utf-8"?>
+<p:sld xmlns:a="http://schemas.openxmlformats.org/drawingml/2006/main" xmlns:r="http://schemas.openxmlformats.org/officeDocument/2006/relationships" xmlns:p="http://schemas.openxmlformats.org/presentationml/2006/main">
+  <p:cSld>
+    <p:spTree>
+      <p:nvGrpSpPr>
+        <p:cNvPr id="1" name=""/>
+        <p:cNvGrpSpPr/>
+        <p:nvPr/>
+      </p:nvGrpSpPr>
+      <p:grpSpPr>
+        <a:xfrm>
+          <a:off x="0" y="0"/>
+          <a:ext cx="0" cy="0"/>
+          <a:chOff x="0" y="0"/>
+          <a:chExt cx="0" cy="0"/>
+        </a:xfrm>
+      </p:grpSpPr>
+      <p:sp>
+        <p:nvSpPr>
+          <p:cNvPr id="2" name="標題 1"/>
+          <p:cNvSpPr>
+            <a:spLocks noGrp="1"/>
+          </p:cNvSpPr>
+          <p:nvPr>
+            <p:ph type="title"/>
+          </p:nvPr>
+        </p:nvSpPr>
+        <p:spPr/>
+        <p:txBody>
+          <a:bodyPr/>
+          <a:lstStyle/>
+          <a:p>
+            <a:r>
+              <a:rPr lang="en-US" altLang="zh-TW" dirty="0" err="1"/>
+              <a:t>sql</a:t>
+            </a:r>
+            <a:r>
+              <a:rPr lang="en-US" altLang="zh-TW" dirty="0"/>
+              <a:t> injection</a:t>
+            </a:r>
+            <a:endParaRPr lang="zh-TW" altLang="en-US" dirty="0"/>
+          </a:p>
+        </p:txBody>
+      </p:sp>
+      <p:sp>
+        <p:nvSpPr>
+          <p:cNvPr id="3" name="內容版面配置區 2"/>
+          <p:cNvSpPr>
+            <a:spLocks noGrp="1"/>
+          </p:cNvSpPr>
+          <p:nvPr>
+            <p:ph idx="1"/>
+          </p:nvPr>
+        </p:nvSpPr>
+        <p:spPr/>
+        <p:txBody>
+          <a:bodyPr/>
+          <a:lstStyle/>
+          <a:p>
+            <a:endParaRPr lang="zh-TW" altLang="en-US"/>
+          </a:p>
+        </p:txBody>
+      </p:sp>
+    </p:spTree>
+    <p:extLst>
+      <p:ext uri="{BB962C8B-B14F-4D97-AF65-F5344CB8AC3E}">
+        <p14:creationId xmlns:p14="http://schemas.microsoft.com/office/powerpoint/2010/main" val="3418259007"/>
+      </p:ext>
+    </p:extLst>
+  </p:cSld>
+  <p:clrMapOvr>
+    <a:masterClrMapping/>
+  </p:clrMapOvr>
+  <mc:AlternateContent xmlns:mc="http://schemas.openxmlformats.org/markup-compatibility/2006" xmlns:p14="http://schemas.microsoft.com/office/powerpoint/2010/main">
+    <mc:Choice Requires="p14">
+      <p:transition spd="slow" p14:dur="1500">
+        <p:random/>
+      </p:transition>
+    </mc:Choice>
+    <mc:Fallback xmlns="">
+      <p:transition spd="slow">
+        <p:random/>
+      </p:transition>
+    </mc:Fallback>
+  </mc:AlternateContent>
+</p:sld>
+</file>
+
+<file path=ppt/slides/slide19.xml><?xml version="1.0" encoding="utf-8"?>
+<p:sld xmlns:a="http://schemas.openxmlformats.org/drawingml/2006/main" xmlns:r="http://schemas.openxmlformats.org/officeDocument/2006/relationships" xmlns:p="http://schemas.openxmlformats.org/presentationml/2006/main">
+  <p:cSld>
+    <p:spTree>
+      <p:nvGrpSpPr>
+        <p:cNvPr id="1" name=""/>
+        <p:cNvGrpSpPr/>
+        <p:nvPr/>
+      </p:nvGrpSpPr>
+      <p:grpSpPr>
+        <a:xfrm>
+          <a:off x="0" y="0"/>
+          <a:ext cx="0" cy="0"/>
+          <a:chOff x="0" y="0"/>
+          <a:chExt cx="0" cy="0"/>
+        </a:xfrm>
+      </p:grpSpPr>
+      <p:sp>
+        <p:nvSpPr>
+          <p:cNvPr id="2" name="標題 1"/>
+          <p:cNvSpPr>
+            <a:spLocks noGrp="1"/>
+          </p:cNvSpPr>
+          <p:nvPr>
+            <p:ph type="title"/>
+          </p:nvPr>
+        </p:nvSpPr>
+        <p:spPr/>
+        <p:txBody>
+          <a:bodyPr/>
+          <a:lstStyle/>
+          <a:p>
+            <a:r>
+              <a:rPr lang="en-US" altLang="zh-TW" dirty="0" err="1" smtClean="0"/>
+              <a:t>datareader</a:t>
+            </a:r>
+            <a:endParaRPr lang="zh-TW" altLang="en-US" dirty="0"/>
+          </a:p>
+        </p:txBody>
+      </p:sp>
+      <p:sp>
+        <p:nvSpPr>
+          <p:cNvPr id="3" name="內容版面配置區 2"/>
+          <p:cNvSpPr>
+            <a:spLocks noGrp="1"/>
+          </p:cNvSpPr>
+          <p:nvPr>
+            <p:ph idx="1"/>
+          </p:nvPr>
+        </p:nvSpPr>
+        <p:spPr/>
+        <p:txBody>
+          <a:bodyPr/>
+          <a:lstStyle/>
+          <a:p>
+            <a:endParaRPr lang="zh-TW" altLang="en-US" dirty="0"/>
+          </a:p>
+        </p:txBody>
+      </p:sp>
+    </p:spTree>
+    <p:extLst>
+      <p:ext uri="{BB962C8B-B14F-4D97-AF65-F5344CB8AC3E}">
+        <p14:creationId xmlns:p14="http://schemas.microsoft.com/office/powerpoint/2010/main" val="3680699760"/>
+      </p:ext>
+    </p:extLst>
+  </p:cSld>
+  <p:clrMapOvr>
+    <a:masterClrMapping/>
+  </p:clrMapOvr>
+  <mc:AlternateContent xmlns:mc="http://schemas.openxmlformats.org/markup-compatibility/2006" xmlns:p14="http://schemas.microsoft.com/office/powerpoint/2010/main">
+    <mc:Choice Requires="p14">
+      <p:transition spd="slow" p14:dur="1500">
+        <p:random/>
+      </p:transition>
+    </mc:Choice>
+    <mc:Fallback xmlns="">
+      <p:transition spd="slow">
+        <p:random/>
+      </p:transition>
+    </mc:Fallback>
+  </mc:AlternateContent>
+</p:sld>
+</file>
+
 <file path=ppt/slides/slide2.xml><?xml version="1.0" encoding="utf-8"?>
 <p:sld xmlns:a="http://schemas.openxmlformats.org/drawingml/2006/main" xmlns:r="http://schemas.openxmlformats.org/officeDocument/2006/relationships" xmlns:p="http://schemas.openxmlformats.org/presentationml/2006/main">
   <p:cSld>
@@ -6762,27 +7737,16 @@
           </a:p>
           <a:p>
             <a:r>
-              <a:rPr lang="en-US" altLang="zh-TW" dirty="0" err="1"/>
+              <a:rPr lang="en-US" altLang="zh-TW" dirty="0" err="1" smtClean="0"/>
               <a:t>SqlDataSource</a:t>
             </a:r>
             <a:r>
+              <a:rPr lang="en-US" altLang="zh-TW" dirty="0" smtClean="0"/>
+              <a:t> </a:t>
+            </a:r>
+            <a:r>
               <a:rPr lang="en-US" altLang="zh-TW" dirty="0"/>
-              <a:t> + </a:t>
-            </a:r>
-            <a:r>
-              <a:rPr lang="en-US" altLang="zh-TW" dirty="0" err="1"/>
-              <a:t>RadioButtonList</a:t>
-            </a:r>
-            <a:endParaRPr lang="en-US" altLang="zh-TW" dirty="0"/>
-          </a:p>
-          <a:p>
-            <a:r>
-              <a:rPr lang="en-US" altLang="zh-TW" dirty="0" err="1"/>
-              <a:t>SqlDataSource</a:t>
-            </a:r>
-            <a:r>
-              <a:rPr lang="en-US" altLang="zh-TW" dirty="0"/>
-              <a:t> + </a:t>
+              <a:t>+ </a:t>
             </a:r>
             <a:r>
               <a:rPr lang="en-US" altLang="zh-TW" dirty="0" err="1" smtClean="0"/>
@@ -6845,6 +7809,760 @@
       </p:par>
     </p:tnLst>
   </p:timing>
+</p:sld>
+</file>
+
+<file path=ppt/slides/slide20.xml><?xml version="1.0" encoding="utf-8"?>
+<p:sld xmlns:a="http://schemas.openxmlformats.org/drawingml/2006/main" xmlns:r="http://schemas.openxmlformats.org/officeDocument/2006/relationships" xmlns:p="http://schemas.openxmlformats.org/presentationml/2006/main">
+  <p:cSld>
+    <p:spTree>
+      <p:nvGrpSpPr>
+        <p:cNvPr id="1" name=""/>
+        <p:cNvGrpSpPr/>
+        <p:nvPr/>
+      </p:nvGrpSpPr>
+      <p:grpSpPr>
+        <a:xfrm>
+          <a:off x="0" y="0"/>
+          <a:ext cx="0" cy="0"/>
+          <a:chOff x="0" y="0"/>
+          <a:chExt cx="0" cy="0"/>
+        </a:xfrm>
+      </p:grpSpPr>
+      <p:sp>
+        <p:nvSpPr>
+          <p:cNvPr id="2" name="標題 1"/>
+          <p:cNvSpPr>
+            <a:spLocks noGrp="1"/>
+          </p:cNvSpPr>
+          <p:nvPr>
+            <p:ph type="title"/>
+          </p:nvPr>
+        </p:nvSpPr>
+        <p:spPr/>
+        <p:txBody>
+          <a:bodyPr/>
+          <a:lstStyle/>
+          <a:p>
+            <a:r>
+              <a:rPr lang="en-US" altLang="zh-TW" dirty="0" smtClean="0"/>
+              <a:t>dataset</a:t>
+            </a:r>
+            <a:endParaRPr lang="zh-TW" altLang="en-US" dirty="0"/>
+          </a:p>
+        </p:txBody>
+      </p:sp>
+      <p:sp>
+        <p:nvSpPr>
+          <p:cNvPr id="3" name="內容版面配置區 2"/>
+          <p:cNvSpPr>
+            <a:spLocks noGrp="1"/>
+          </p:cNvSpPr>
+          <p:nvPr>
+            <p:ph idx="1"/>
+          </p:nvPr>
+        </p:nvSpPr>
+        <p:spPr/>
+        <p:txBody>
+          <a:bodyPr/>
+          <a:lstStyle/>
+          <a:p>
+            <a:r>
+              <a:rPr lang="zh-TW" altLang="en-US" dirty="0" smtClean="0"/>
+              <a:t>圖</a:t>
+            </a:r>
+            <a:r>
+              <a:rPr lang="en-US" altLang="zh-TW" dirty="0" smtClean="0"/>
+              <a:t>14-41</a:t>
+            </a:r>
+            <a:endParaRPr lang="zh-TW" altLang="en-US" dirty="0"/>
+          </a:p>
+        </p:txBody>
+      </p:sp>
+    </p:spTree>
+    <p:extLst>
+      <p:ext uri="{BB962C8B-B14F-4D97-AF65-F5344CB8AC3E}">
+        <p14:creationId xmlns:p14="http://schemas.microsoft.com/office/powerpoint/2010/main" val="3770456208"/>
+      </p:ext>
+    </p:extLst>
+  </p:cSld>
+  <p:clrMapOvr>
+    <a:masterClrMapping/>
+  </p:clrMapOvr>
+  <mc:AlternateContent xmlns:mc="http://schemas.openxmlformats.org/markup-compatibility/2006" xmlns:p14="http://schemas.microsoft.com/office/powerpoint/2010/main">
+    <mc:Choice Requires="p14">
+      <p:transition spd="slow" p14:dur="1500">
+        <p:random/>
+      </p:transition>
+    </mc:Choice>
+    <mc:Fallback xmlns="">
+      <p:transition spd="slow">
+        <p:random/>
+      </p:transition>
+    </mc:Fallback>
+  </mc:AlternateContent>
+</p:sld>
+</file>
+
+<file path=ppt/slides/slide21.xml><?xml version="1.0" encoding="utf-8"?>
+<p:sld xmlns:a="http://schemas.openxmlformats.org/drawingml/2006/main" xmlns:r="http://schemas.openxmlformats.org/officeDocument/2006/relationships" xmlns:p="http://schemas.openxmlformats.org/presentationml/2006/main">
+  <p:cSld>
+    <p:spTree>
+      <p:nvGrpSpPr>
+        <p:cNvPr id="1" name=""/>
+        <p:cNvGrpSpPr/>
+        <p:nvPr/>
+      </p:nvGrpSpPr>
+      <p:grpSpPr>
+        <a:xfrm>
+          <a:off x="0" y="0"/>
+          <a:ext cx="0" cy="0"/>
+          <a:chOff x="0" y="0"/>
+          <a:chExt cx="0" cy="0"/>
+        </a:xfrm>
+      </p:grpSpPr>
+      <p:sp>
+        <p:nvSpPr>
+          <p:cNvPr id="2" name="標題 1"/>
+          <p:cNvSpPr>
+            <a:spLocks noGrp="1"/>
+          </p:cNvSpPr>
+          <p:nvPr>
+            <p:ph type="title"/>
+          </p:nvPr>
+        </p:nvSpPr>
+        <p:spPr/>
+        <p:txBody>
+          <a:bodyPr/>
+          <a:lstStyle/>
+          <a:p>
+            <a:r>
+              <a:rPr lang="en-US" altLang="zh-TW" dirty="0"/>
+              <a:t>dataset</a:t>
+            </a:r>
+            <a:endParaRPr lang="zh-TW" altLang="en-US" dirty="0"/>
+          </a:p>
+        </p:txBody>
+      </p:sp>
+      <p:sp>
+        <p:nvSpPr>
+          <p:cNvPr id="3" name="內容版面配置區 2"/>
+          <p:cNvSpPr>
+            <a:spLocks noGrp="1"/>
+          </p:cNvSpPr>
+          <p:nvPr>
+            <p:ph idx="1"/>
+          </p:nvPr>
+        </p:nvSpPr>
+        <p:spPr/>
+        <p:txBody>
+          <a:bodyPr/>
+          <a:lstStyle/>
+          <a:p>
+            <a:r>
+              <a:rPr lang="en-US" altLang="zh-TW" dirty="0" smtClean="0"/>
+              <a:t>fill</a:t>
+            </a:r>
+            <a:endParaRPr lang="zh-TW" altLang="en-US" dirty="0"/>
+          </a:p>
+        </p:txBody>
+      </p:sp>
+    </p:spTree>
+    <p:extLst>
+      <p:ext uri="{BB962C8B-B14F-4D97-AF65-F5344CB8AC3E}">
+        <p14:creationId xmlns:p14="http://schemas.microsoft.com/office/powerpoint/2010/main" val="1199046171"/>
+      </p:ext>
+    </p:extLst>
+  </p:cSld>
+  <p:clrMapOvr>
+    <a:masterClrMapping/>
+  </p:clrMapOvr>
+  <mc:AlternateContent xmlns:mc="http://schemas.openxmlformats.org/markup-compatibility/2006" xmlns:p14="http://schemas.microsoft.com/office/powerpoint/2010/main">
+    <mc:Choice Requires="p14">
+      <p:transition spd="slow" p14:dur="1500">
+        <p:random/>
+      </p:transition>
+    </mc:Choice>
+    <mc:Fallback xmlns="">
+      <p:transition spd="slow">
+        <p:random/>
+      </p:transition>
+    </mc:Fallback>
+  </mc:AlternateContent>
+</p:sld>
+</file>
+
+<file path=ppt/slides/slide22.xml><?xml version="1.0" encoding="utf-8"?>
+<p:sld xmlns:a="http://schemas.openxmlformats.org/drawingml/2006/main" xmlns:r="http://schemas.openxmlformats.org/officeDocument/2006/relationships" xmlns:p="http://schemas.openxmlformats.org/presentationml/2006/main">
+  <p:cSld>
+    <p:spTree>
+      <p:nvGrpSpPr>
+        <p:cNvPr id="1" name=""/>
+        <p:cNvGrpSpPr/>
+        <p:nvPr/>
+      </p:nvGrpSpPr>
+      <p:grpSpPr>
+        <a:xfrm>
+          <a:off x="0" y="0"/>
+          <a:ext cx="0" cy="0"/>
+          <a:chOff x="0" y="0"/>
+          <a:chExt cx="0" cy="0"/>
+        </a:xfrm>
+      </p:grpSpPr>
+      <p:sp>
+        <p:nvSpPr>
+          <p:cNvPr id="2" name="標題 1"/>
+          <p:cNvSpPr>
+            <a:spLocks noGrp="1"/>
+          </p:cNvSpPr>
+          <p:nvPr>
+            <p:ph type="title"/>
+          </p:nvPr>
+        </p:nvSpPr>
+        <p:spPr/>
+        <p:txBody>
+          <a:bodyPr/>
+          <a:lstStyle/>
+          <a:p>
+            <a:r>
+              <a:rPr lang="en-US" altLang="zh-TW" dirty="0"/>
+              <a:t>dataset</a:t>
+            </a:r>
+            <a:endParaRPr lang="zh-TW" altLang="en-US" dirty="0"/>
+          </a:p>
+        </p:txBody>
+      </p:sp>
+      <p:sp>
+        <p:nvSpPr>
+          <p:cNvPr id="3" name="內容版面配置區 2"/>
+          <p:cNvSpPr>
+            <a:spLocks noGrp="1"/>
+          </p:cNvSpPr>
+          <p:nvPr>
+            <p:ph idx="1"/>
+          </p:nvPr>
+        </p:nvSpPr>
+        <p:spPr/>
+        <p:txBody>
+          <a:bodyPr/>
+          <a:lstStyle/>
+          <a:p>
+            <a:r>
+              <a:rPr lang="en-US" altLang="zh-TW" dirty="0" smtClean="0"/>
+              <a:t>update</a:t>
+            </a:r>
+            <a:endParaRPr lang="zh-TW" altLang="en-US" dirty="0"/>
+          </a:p>
+        </p:txBody>
+      </p:sp>
+    </p:spTree>
+    <p:extLst>
+      <p:ext uri="{BB962C8B-B14F-4D97-AF65-F5344CB8AC3E}">
+        <p14:creationId xmlns:p14="http://schemas.microsoft.com/office/powerpoint/2010/main" val="2629029407"/>
+      </p:ext>
+    </p:extLst>
+  </p:cSld>
+  <p:clrMapOvr>
+    <a:masterClrMapping/>
+  </p:clrMapOvr>
+  <mc:AlternateContent xmlns:mc="http://schemas.openxmlformats.org/markup-compatibility/2006" xmlns:p14="http://schemas.microsoft.com/office/powerpoint/2010/main">
+    <mc:Choice Requires="p14">
+      <p:transition spd="slow" p14:dur="1500">
+        <p:random/>
+      </p:transition>
+    </mc:Choice>
+    <mc:Fallback xmlns="">
+      <p:transition spd="slow">
+        <p:random/>
+      </p:transition>
+    </mc:Fallback>
+  </mc:AlternateContent>
+</p:sld>
+</file>
+
+<file path=ppt/slides/slide23.xml><?xml version="1.0" encoding="utf-8"?>
+<p:sld xmlns:a="http://schemas.openxmlformats.org/drawingml/2006/main" xmlns:r="http://schemas.openxmlformats.org/officeDocument/2006/relationships" xmlns:p="http://schemas.openxmlformats.org/presentationml/2006/main">
+  <p:cSld>
+    <p:spTree>
+      <p:nvGrpSpPr>
+        <p:cNvPr id="1" name=""/>
+        <p:cNvGrpSpPr/>
+        <p:nvPr/>
+      </p:nvGrpSpPr>
+      <p:grpSpPr>
+        <a:xfrm>
+          <a:off x="0" y="0"/>
+          <a:ext cx="0" cy="0"/>
+          <a:chOff x="0" y="0"/>
+          <a:chExt cx="0" cy="0"/>
+        </a:xfrm>
+      </p:grpSpPr>
+      <p:sp>
+        <p:nvSpPr>
+          <p:cNvPr id="2" name="標題 1"/>
+          <p:cNvSpPr>
+            <a:spLocks noGrp="1"/>
+          </p:cNvSpPr>
+          <p:nvPr>
+            <p:ph type="title"/>
+          </p:nvPr>
+        </p:nvSpPr>
+        <p:spPr/>
+        <p:txBody>
+          <a:bodyPr/>
+          <a:lstStyle/>
+          <a:p>
+            <a:r>
+              <a:rPr lang="en-US" altLang="zh-TW" dirty="0" smtClean="0"/>
+              <a:t>Dataset</a:t>
+            </a:r>
+            <a:r>
+              <a:rPr lang="zh-TW" altLang="en-US" dirty="0" smtClean="0"/>
+              <a:t>結構</a:t>
+            </a:r>
+            <a:endParaRPr lang="zh-TW" altLang="en-US" dirty="0"/>
+          </a:p>
+        </p:txBody>
+      </p:sp>
+      <p:sp>
+        <p:nvSpPr>
+          <p:cNvPr id="3" name="內容版面配置區 2"/>
+          <p:cNvSpPr>
+            <a:spLocks noGrp="1"/>
+          </p:cNvSpPr>
+          <p:nvPr>
+            <p:ph idx="1"/>
+          </p:nvPr>
+        </p:nvSpPr>
+        <p:spPr/>
+        <p:txBody>
+          <a:bodyPr/>
+          <a:lstStyle/>
+          <a:p>
+            <a:r>
+              <a:rPr lang="en-US" altLang="zh-TW" dirty="0" smtClean="0"/>
+              <a:t>Dataset</a:t>
+            </a:r>
+          </a:p>
+          <a:p>
+            <a:r>
+              <a:rPr lang="en-US" altLang="zh-TW" dirty="0" err="1" smtClean="0"/>
+              <a:t>Datatable</a:t>
+            </a:r>
+            <a:endParaRPr lang="en-US" altLang="zh-TW" dirty="0" smtClean="0"/>
+          </a:p>
+          <a:p>
+            <a:r>
+              <a:rPr lang="en-US" altLang="zh-TW" dirty="0" err="1" smtClean="0"/>
+              <a:t>Datarow</a:t>
+            </a:r>
+            <a:endParaRPr lang="en-US" altLang="zh-TW" dirty="0" smtClean="0"/>
+          </a:p>
+          <a:p>
+            <a:r>
+              <a:rPr lang="en-US" altLang="zh-TW" dirty="0" err="1"/>
+              <a:t>datacolumn</a:t>
+            </a:r>
+            <a:endParaRPr lang="zh-TW" altLang="en-US" dirty="0"/>
+          </a:p>
+        </p:txBody>
+      </p:sp>
+    </p:spTree>
+    <p:extLst>
+      <p:ext uri="{BB962C8B-B14F-4D97-AF65-F5344CB8AC3E}">
+        <p14:creationId xmlns:p14="http://schemas.microsoft.com/office/powerpoint/2010/main" val="1650307284"/>
+      </p:ext>
+    </p:extLst>
+  </p:cSld>
+  <p:clrMapOvr>
+    <a:masterClrMapping/>
+  </p:clrMapOvr>
+  <mc:AlternateContent xmlns:mc="http://schemas.openxmlformats.org/markup-compatibility/2006" xmlns:p14="http://schemas.microsoft.com/office/powerpoint/2010/main">
+    <mc:Choice Requires="p14">
+      <p:transition spd="slow" p14:dur="1500">
+        <p:random/>
+      </p:transition>
+    </mc:Choice>
+    <mc:Fallback xmlns="">
+      <p:transition spd="slow">
+        <p:random/>
+      </p:transition>
+    </mc:Fallback>
+  </mc:AlternateContent>
+</p:sld>
+</file>
+
+<file path=ppt/slides/slide24.xml><?xml version="1.0" encoding="utf-8"?>
+<p:sld xmlns:a="http://schemas.openxmlformats.org/drawingml/2006/main" xmlns:r="http://schemas.openxmlformats.org/officeDocument/2006/relationships" xmlns:p="http://schemas.openxmlformats.org/presentationml/2006/main">
+  <p:cSld>
+    <p:spTree>
+      <p:nvGrpSpPr>
+        <p:cNvPr id="1" name=""/>
+        <p:cNvGrpSpPr/>
+        <p:nvPr/>
+      </p:nvGrpSpPr>
+      <p:grpSpPr>
+        <a:xfrm>
+          <a:off x="0" y="0"/>
+          <a:ext cx="0" cy="0"/>
+          <a:chOff x="0" y="0"/>
+          <a:chExt cx="0" cy="0"/>
+        </a:xfrm>
+      </p:grpSpPr>
+      <p:sp>
+        <p:nvSpPr>
+          <p:cNvPr id="2" name="標題 1"/>
+          <p:cNvSpPr>
+            <a:spLocks noGrp="1"/>
+          </p:cNvSpPr>
+          <p:nvPr>
+            <p:ph type="title"/>
+          </p:nvPr>
+        </p:nvSpPr>
+        <p:spPr/>
+        <p:txBody>
+          <a:bodyPr/>
+          <a:lstStyle/>
+          <a:p>
+            <a:r>
+              <a:rPr lang="en-US" altLang="zh-TW" dirty="0" err="1"/>
+              <a:t>Datatable</a:t>
+            </a:r>
+            <a:endParaRPr lang="zh-TW" altLang="en-US" dirty="0"/>
+          </a:p>
+        </p:txBody>
+      </p:sp>
+      <p:sp>
+        <p:nvSpPr>
+          <p:cNvPr id="3" name="內容版面配置區 2"/>
+          <p:cNvSpPr>
+            <a:spLocks noGrp="1"/>
+          </p:cNvSpPr>
+          <p:nvPr>
+            <p:ph idx="1"/>
+          </p:nvPr>
+        </p:nvSpPr>
+        <p:spPr/>
+        <p:txBody>
+          <a:bodyPr/>
+          <a:lstStyle/>
+          <a:p>
+            <a:r>
+              <a:rPr lang="en-US" altLang="zh-TW" dirty="0" smtClean="0"/>
+              <a:t>Select</a:t>
+            </a:r>
+          </a:p>
+          <a:p>
+            <a:r>
+              <a:rPr lang="en-US" altLang="zh-TW" dirty="0"/>
+              <a:t>compute</a:t>
+            </a:r>
+            <a:endParaRPr lang="zh-TW" altLang="en-US" dirty="0"/>
+          </a:p>
+        </p:txBody>
+      </p:sp>
+    </p:spTree>
+    <p:extLst>
+      <p:ext uri="{BB962C8B-B14F-4D97-AF65-F5344CB8AC3E}">
+        <p14:creationId xmlns:p14="http://schemas.microsoft.com/office/powerpoint/2010/main" val="646775573"/>
+      </p:ext>
+    </p:extLst>
+  </p:cSld>
+  <p:clrMapOvr>
+    <a:masterClrMapping/>
+  </p:clrMapOvr>
+  <mc:AlternateContent xmlns:mc="http://schemas.openxmlformats.org/markup-compatibility/2006" xmlns:p14="http://schemas.microsoft.com/office/powerpoint/2010/main">
+    <mc:Choice Requires="p14">
+      <p:transition spd="slow" p14:dur="1500">
+        <p:random/>
+      </p:transition>
+    </mc:Choice>
+    <mc:Fallback xmlns="">
+      <p:transition spd="slow">
+        <p:random/>
+      </p:transition>
+    </mc:Fallback>
+  </mc:AlternateContent>
+</p:sld>
+</file>
+
+<file path=ppt/slides/slide25.xml><?xml version="1.0" encoding="utf-8"?>
+<p:sld xmlns:a="http://schemas.openxmlformats.org/drawingml/2006/main" xmlns:r="http://schemas.openxmlformats.org/officeDocument/2006/relationships" xmlns:p="http://schemas.openxmlformats.org/presentationml/2006/main">
+  <p:cSld>
+    <p:spTree>
+      <p:nvGrpSpPr>
+        <p:cNvPr id="1" name=""/>
+        <p:cNvGrpSpPr/>
+        <p:nvPr/>
+      </p:nvGrpSpPr>
+      <p:grpSpPr>
+        <a:xfrm>
+          <a:off x="0" y="0"/>
+          <a:ext cx="0" cy="0"/>
+          <a:chOff x="0" y="0"/>
+          <a:chExt cx="0" cy="0"/>
+        </a:xfrm>
+      </p:grpSpPr>
+      <p:sp>
+        <p:nvSpPr>
+          <p:cNvPr id="2" name="標題 1"/>
+          <p:cNvSpPr>
+            <a:spLocks noGrp="1"/>
+          </p:cNvSpPr>
+          <p:nvPr>
+            <p:ph type="title"/>
+          </p:nvPr>
+        </p:nvSpPr>
+        <p:spPr/>
+        <p:txBody>
+          <a:bodyPr/>
+          <a:lstStyle/>
+          <a:p>
+            <a:r>
+              <a:rPr lang="en-US" altLang="zh-TW" dirty="0" smtClean="0"/>
+              <a:t>dapper</a:t>
+            </a:r>
+            <a:endParaRPr lang="zh-TW" altLang="en-US" dirty="0"/>
+          </a:p>
+        </p:txBody>
+      </p:sp>
+      <p:sp>
+        <p:nvSpPr>
+          <p:cNvPr id="3" name="內容版面配置區 2"/>
+          <p:cNvSpPr>
+            <a:spLocks noGrp="1"/>
+          </p:cNvSpPr>
+          <p:nvPr>
+            <p:ph idx="1"/>
+          </p:nvPr>
+        </p:nvSpPr>
+        <p:spPr/>
+        <p:txBody>
+          <a:bodyPr/>
+          <a:lstStyle/>
+          <a:p>
+            <a:r>
+              <a:rPr lang="zh-TW" altLang="en-US" dirty="0"/>
+              <a:t>強行</a:t>
+            </a:r>
+            <a:r>
+              <a:rPr lang="zh-TW" altLang="en-US" dirty="0" smtClean="0"/>
+              <a:t>別</a:t>
+            </a:r>
+            <a:endParaRPr lang="en-US" altLang="zh-TW" dirty="0" smtClean="0"/>
+          </a:p>
+          <a:p>
+            <a:r>
+              <a:rPr lang="zh-TW" altLang="en-US" dirty="0" smtClean="0"/>
+              <a:t>弱型</a:t>
+            </a:r>
+            <a:r>
+              <a:rPr lang="zh-TW" altLang="en-US" dirty="0"/>
+              <a:t>別</a:t>
+            </a:r>
+          </a:p>
+        </p:txBody>
+      </p:sp>
+    </p:spTree>
+    <p:extLst>
+      <p:ext uri="{BB962C8B-B14F-4D97-AF65-F5344CB8AC3E}">
+        <p14:creationId xmlns:p14="http://schemas.microsoft.com/office/powerpoint/2010/main" val="1736545126"/>
+      </p:ext>
+    </p:extLst>
+  </p:cSld>
+  <p:clrMapOvr>
+    <a:masterClrMapping/>
+  </p:clrMapOvr>
+  <mc:AlternateContent xmlns:mc="http://schemas.openxmlformats.org/markup-compatibility/2006" xmlns:p14="http://schemas.microsoft.com/office/powerpoint/2010/main">
+    <mc:Choice Requires="p14">
+      <p:transition spd="slow" p14:dur="1500">
+        <p:random/>
+      </p:transition>
+    </mc:Choice>
+    <mc:Fallback xmlns="">
+      <p:transition spd="slow">
+        <p:random/>
+      </p:transition>
+    </mc:Fallback>
+  </mc:AlternateContent>
+</p:sld>
+</file>
+
+<file path=ppt/slides/slide26.xml><?xml version="1.0" encoding="utf-8"?>
+<p:sld xmlns:a="http://schemas.openxmlformats.org/drawingml/2006/main" xmlns:r="http://schemas.openxmlformats.org/officeDocument/2006/relationships" xmlns:p="http://schemas.openxmlformats.org/presentationml/2006/main">
+  <p:cSld>
+    <p:spTree>
+      <p:nvGrpSpPr>
+        <p:cNvPr id="1" name=""/>
+        <p:cNvGrpSpPr/>
+        <p:nvPr/>
+      </p:nvGrpSpPr>
+      <p:grpSpPr>
+        <a:xfrm>
+          <a:off x="0" y="0"/>
+          <a:ext cx="0" cy="0"/>
+          <a:chOff x="0" y="0"/>
+          <a:chExt cx="0" cy="0"/>
+        </a:xfrm>
+      </p:grpSpPr>
+      <p:sp>
+        <p:nvSpPr>
+          <p:cNvPr id="2" name="標題 1"/>
+          <p:cNvSpPr>
+            <a:spLocks noGrp="1"/>
+          </p:cNvSpPr>
+          <p:nvPr>
+            <p:ph type="title"/>
+          </p:nvPr>
+        </p:nvSpPr>
+        <p:spPr/>
+        <p:txBody>
+          <a:bodyPr/>
+          <a:lstStyle/>
+          <a:p>
+            <a:r>
+              <a:rPr lang="en-US" altLang="zh-TW" dirty="0"/>
+              <a:t>dapper</a:t>
+            </a:r>
+            <a:endParaRPr lang="zh-TW" altLang="en-US" dirty="0"/>
+          </a:p>
+        </p:txBody>
+      </p:sp>
+      <p:sp>
+        <p:nvSpPr>
+          <p:cNvPr id="3" name="內容版面配置區 2"/>
+          <p:cNvSpPr>
+            <a:spLocks noGrp="1"/>
+          </p:cNvSpPr>
+          <p:nvPr>
+            <p:ph idx="1"/>
+          </p:nvPr>
+        </p:nvSpPr>
+        <p:spPr/>
+        <p:txBody>
+          <a:bodyPr/>
+          <a:lstStyle/>
+          <a:p>
+            <a:r>
+              <a:rPr lang="zh-TW" altLang="en-US" dirty="0" smtClean="0"/>
+              <a:t>載入</a:t>
+            </a:r>
+            <a:endParaRPr lang="zh-TW" altLang="en-US" dirty="0"/>
+          </a:p>
+        </p:txBody>
+      </p:sp>
+    </p:spTree>
+    <p:extLst>
+      <p:ext uri="{BB962C8B-B14F-4D97-AF65-F5344CB8AC3E}">
+        <p14:creationId xmlns:p14="http://schemas.microsoft.com/office/powerpoint/2010/main" val="1719169654"/>
+      </p:ext>
+    </p:extLst>
+  </p:cSld>
+  <p:clrMapOvr>
+    <a:masterClrMapping/>
+  </p:clrMapOvr>
+  <mc:AlternateContent xmlns:mc="http://schemas.openxmlformats.org/markup-compatibility/2006" xmlns:p14="http://schemas.microsoft.com/office/powerpoint/2010/main">
+    <mc:Choice Requires="p14">
+      <p:transition spd="slow" p14:dur="1500">
+        <p:random/>
+      </p:transition>
+    </mc:Choice>
+    <mc:Fallback xmlns="">
+      <p:transition spd="slow">
+        <p:random/>
+      </p:transition>
+    </mc:Fallback>
+  </mc:AlternateContent>
+</p:sld>
+</file>
+
+<file path=ppt/slides/slide27.xml><?xml version="1.0" encoding="utf-8"?>
+<p:sld xmlns:a="http://schemas.openxmlformats.org/drawingml/2006/main" xmlns:r="http://schemas.openxmlformats.org/officeDocument/2006/relationships" xmlns:p="http://schemas.openxmlformats.org/presentationml/2006/main">
+  <p:cSld>
+    <p:spTree>
+      <p:nvGrpSpPr>
+        <p:cNvPr id="1" name=""/>
+        <p:cNvGrpSpPr/>
+        <p:nvPr/>
+      </p:nvGrpSpPr>
+      <p:grpSpPr>
+        <a:xfrm>
+          <a:off x="0" y="0"/>
+          <a:ext cx="0" cy="0"/>
+          <a:chOff x="0" y="0"/>
+          <a:chExt cx="0" cy="0"/>
+        </a:xfrm>
+      </p:grpSpPr>
+      <p:sp>
+        <p:nvSpPr>
+          <p:cNvPr id="2" name="標題 1"/>
+          <p:cNvSpPr>
+            <a:spLocks noGrp="1"/>
+          </p:cNvSpPr>
+          <p:nvPr>
+            <p:ph type="title"/>
+          </p:nvPr>
+        </p:nvSpPr>
+        <p:spPr/>
+        <p:txBody>
+          <a:bodyPr/>
+          <a:lstStyle/>
+          <a:p>
+            <a:r>
+              <a:rPr lang="en-US" altLang="zh-TW" dirty="0"/>
+              <a:t>dapper</a:t>
+            </a:r>
+            <a:endParaRPr lang="zh-TW" altLang="en-US" dirty="0"/>
+          </a:p>
+        </p:txBody>
+      </p:sp>
+      <p:sp>
+        <p:nvSpPr>
+          <p:cNvPr id="3" name="內容版面配置區 2"/>
+          <p:cNvSpPr>
+            <a:spLocks noGrp="1"/>
+          </p:cNvSpPr>
+          <p:nvPr>
+            <p:ph idx="1"/>
+          </p:nvPr>
+        </p:nvSpPr>
+        <p:spPr/>
+        <p:txBody>
+          <a:bodyPr/>
+          <a:lstStyle/>
+          <a:p>
+            <a:r>
+              <a:rPr lang="en-US" altLang="zh-TW" dirty="0" smtClean="0"/>
+              <a:t>CRUD</a:t>
+            </a:r>
+          </a:p>
+          <a:p>
+            <a:endParaRPr lang="zh-TW" altLang="en-US" dirty="0"/>
+          </a:p>
+        </p:txBody>
+      </p:sp>
+    </p:spTree>
+    <p:extLst>
+      <p:ext uri="{BB962C8B-B14F-4D97-AF65-F5344CB8AC3E}">
+        <p14:creationId xmlns:p14="http://schemas.microsoft.com/office/powerpoint/2010/main" val="1495345134"/>
+      </p:ext>
+    </p:extLst>
+  </p:cSld>
+  <p:clrMapOvr>
+    <a:masterClrMapping/>
+  </p:clrMapOvr>
+  <mc:AlternateContent xmlns:mc="http://schemas.openxmlformats.org/markup-compatibility/2006" xmlns:p14="http://schemas.microsoft.com/office/powerpoint/2010/main">
+    <mc:Choice Requires="p14">
+      <p:transition spd="slow" p14:dur="1500">
+        <p:random/>
+      </p:transition>
+    </mc:Choice>
+    <mc:Fallback xmlns="">
+      <p:transition spd="slow">
+        <p:random/>
+      </p:transition>
+    </mc:Fallback>
+  </mc:AlternateContent>
 </p:sld>
 </file>
 
@@ -7019,6 +8737,507 @@
           <a:lstStyle/>
           <a:p>
             <a:r>
+              <a:rPr lang="en-US" altLang="zh-TW" dirty="0" smtClean="0"/>
+              <a:t>DB</a:t>
+            </a:r>
+            <a:r>
+              <a:rPr lang="zh-TW" altLang="en-US" dirty="0" smtClean="0"/>
+              <a:t>環境準備</a:t>
+            </a:r>
+            <a:endParaRPr lang="zh-TW" altLang="en-US" dirty="0"/>
+          </a:p>
+        </p:txBody>
+      </p:sp>
+      <p:sp>
+        <p:nvSpPr>
+          <p:cNvPr id="3" name="內容版面配置區 2"/>
+          <p:cNvSpPr>
+            <a:spLocks noGrp="1"/>
+          </p:cNvSpPr>
+          <p:nvPr>
+            <p:ph idx="1"/>
+          </p:nvPr>
+        </p:nvSpPr>
+        <p:spPr/>
+        <p:txBody>
+          <a:bodyPr/>
+          <a:lstStyle/>
+          <a:p>
+            <a:r>
+              <a:rPr lang="en-US" altLang="zh-TW" dirty="0" smtClean="0"/>
+              <a:t>DB</a:t>
+            </a:r>
+            <a:r>
+              <a:rPr lang="zh-TW" altLang="en-US" dirty="0"/>
+              <a:t>名稱：網頁整合</a:t>
+            </a:r>
+            <a:r>
+              <a:rPr lang="en-US" altLang="zh-TW" dirty="0" smtClean="0"/>
+              <a:t>DB_+</a:t>
+            </a:r>
+            <a:r>
+              <a:rPr lang="zh-TW" altLang="en-US" dirty="0" smtClean="0"/>
+              <a:t>學號</a:t>
+            </a:r>
+            <a:endParaRPr lang="en-US" altLang="zh-TW" dirty="0" smtClean="0"/>
+          </a:p>
+          <a:p>
+            <a:r>
+              <a:rPr lang="zh-TW" altLang="en-US" dirty="0" smtClean="0"/>
+              <a:t>建立資料表</a:t>
+            </a:r>
+            <a:endParaRPr lang="en-US" altLang="zh-TW" dirty="0" smtClean="0"/>
+          </a:p>
+          <a:p>
+            <a:pPr lvl="1"/>
+            <a:r>
+              <a:rPr lang="en-US" altLang="zh-TW" dirty="0" smtClean="0"/>
+              <a:t>Sex</a:t>
+            </a:r>
+          </a:p>
+          <a:p>
+            <a:pPr lvl="2"/>
+            <a:r>
+              <a:rPr lang="en-US" altLang="zh-TW" dirty="0" err="1" smtClean="0"/>
+              <a:t>SexID</a:t>
+            </a:r>
+            <a:r>
+              <a:rPr lang="en-US" altLang="zh-TW" dirty="0" smtClean="0"/>
+              <a:t>(</a:t>
+            </a:r>
+            <a:r>
+              <a:rPr lang="zh-TW" altLang="en-US" dirty="0" smtClean="0"/>
+              <a:t>主鍵</a:t>
+            </a:r>
+            <a:r>
+              <a:rPr lang="en-US" altLang="zh-TW" dirty="0" smtClean="0"/>
+              <a:t>;bit)</a:t>
+            </a:r>
+          </a:p>
+          <a:p>
+            <a:pPr lvl="2"/>
+            <a:r>
+              <a:rPr lang="en-US" altLang="zh-TW" dirty="0" smtClean="0"/>
+              <a:t>Sex(not </a:t>
+            </a:r>
+            <a:r>
+              <a:rPr lang="en-US" altLang="zh-TW" dirty="0" err="1" smtClean="0"/>
+              <a:t>null;nchar</a:t>
+            </a:r>
+            <a:r>
+              <a:rPr lang="en-US" altLang="zh-TW" dirty="0" smtClean="0"/>
+              <a:t>(1))</a:t>
+            </a:r>
+          </a:p>
+          <a:p>
+            <a:pPr lvl="1"/>
+            <a:r>
+              <a:rPr lang="en-US" altLang="zh-TW" dirty="0" smtClean="0"/>
+              <a:t>Education</a:t>
+            </a:r>
+          </a:p>
+          <a:p>
+            <a:pPr lvl="2"/>
+            <a:r>
+              <a:rPr lang="en-US" altLang="zh-TW" dirty="0" err="1" smtClean="0"/>
+              <a:t>EducationID</a:t>
+            </a:r>
+            <a:r>
+              <a:rPr lang="en-US" altLang="zh-TW" dirty="0"/>
+              <a:t>(</a:t>
+            </a:r>
+            <a:r>
+              <a:rPr lang="zh-TW" altLang="en-US" dirty="0"/>
+              <a:t>主鍵</a:t>
+            </a:r>
+            <a:r>
+              <a:rPr lang="en-US" altLang="zh-TW" dirty="0" smtClean="0"/>
+              <a:t>;</a:t>
+            </a:r>
+            <a:r>
+              <a:rPr lang="en-US" altLang="zh-TW" dirty="0" err="1" smtClean="0"/>
+              <a:t>tinyint</a:t>
+            </a:r>
+            <a:r>
+              <a:rPr lang="en-US" altLang="zh-TW" dirty="0" smtClean="0"/>
+              <a:t>)</a:t>
+            </a:r>
+          </a:p>
+          <a:p>
+            <a:pPr lvl="2"/>
+            <a:r>
+              <a:rPr lang="en-US" altLang="zh-TW" dirty="0" smtClean="0"/>
+              <a:t>Education(</a:t>
+            </a:r>
+            <a:r>
+              <a:rPr lang="en-US" altLang="zh-TW" dirty="0"/>
+              <a:t>not </a:t>
+            </a:r>
+            <a:r>
+              <a:rPr lang="en-US" altLang="zh-TW" dirty="0" err="1" smtClean="0"/>
+              <a:t>null;nvarchar</a:t>
+            </a:r>
+            <a:r>
+              <a:rPr lang="en-US" altLang="zh-TW" dirty="0" smtClean="0"/>
+              <a:t>(10))</a:t>
+            </a:r>
+          </a:p>
+          <a:p>
+            <a:pPr lvl="1"/>
+            <a:r>
+              <a:rPr lang="en-US" altLang="zh-TW" dirty="0" err="1" smtClean="0"/>
+              <a:t>ProgrammingLanguage</a:t>
+            </a:r>
+            <a:endParaRPr lang="en-US" altLang="zh-TW" dirty="0" smtClean="0"/>
+          </a:p>
+          <a:p>
+            <a:pPr lvl="2"/>
+            <a:r>
+              <a:rPr lang="en-US" altLang="zh-TW" dirty="0" smtClean="0"/>
+              <a:t>PLID</a:t>
+            </a:r>
+            <a:r>
+              <a:rPr lang="en-US" altLang="zh-TW" dirty="0"/>
+              <a:t> (</a:t>
+            </a:r>
+            <a:r>
+              <a:rPr lang="zh-TW" altLang="en-US" dirty="0"/>
+              <a:t>主鍵</a:t>
+            </a:r>
+            <a:r>
+              <a:rPr lang="en-US" altLang="zh-TW" dirty="0"/>
+              <a:t>;</a:t>
+            </a:r>
+            <a:r>
+              <a:rPr lang="en-US" altLang="zh-TW" dirty="0" err="1"/>
+              <a:t>tinyint</a:t>
+            </a:r>
+            <a:r>
+              <a:rPr lang="en-US" altLang="zh-TW" dirty="0" smtClean="0"/>
+              <a:t>)</a:t>
+            </a:r>
+          </a:p>
+          <a:p>
+            <a:pPr lvl="2"/>
+            <a:r>
+              <a:rPr lang="en-US" altLang="zh-TW" dirty="0" smtClean="0"/>
+              <a:t>Language (</a:t>
+            </a:r>
+            <a:r>
+              <a:rPr lang="en-US" altLang="zh-TW" dirty="0"/>
+              <a:t>not </a:t>
+            </a:r>
+            <a:r>
+              <a:rPr lang="en-US" altLang="zh-TW" dirty="0" err="1" smtClean="0"/>
+              <a:t>null;varchar</a:t>
+            </a:r>
+            <a:r>
+              <a:rPr lang="en-US" altLang="zh-TW" dirty="0" smtClean="0"/>
+              <a:t>(20</a:t>
+            </a:r>
+            <a:r>
+              <a:rPr lang="en-US" altLang="zh-TW" dirty="0"/>
+              <a:t>))</a:t>
+            </a:r>
+          </a:p>
+          <a:p>
+            <a:pPr lvl="2"/>
+            <a:endParaRPr lang="zh-TW" altLang="en-US" dirty="0"/>
+          </a:p>
+        </p:txBody>
+      </p:sp>
+    </p:spTree>
+    <p:extLst>
+      <p:ext uri="{BB962C8B-B14F-4D97-AF65-F5344CB8AC3E}">
+        <p14:creationId xmlns:p14="http://schemas.microsoft.com/office/powerpoint/2010/main" val="2989873157"/>
+      </p:ext>
+    </p:extLst>
+  </p:cSld>
+  <p:clrMapOvr>
+    <a:masterClrMapping/>
+  </p:clrMapOvr>
+  <mc:AlternateContent xmlns:mc="http://schemas.openxmlformats.org/markup-compatibility/2006" xmlns:p14="http://schemas.microsoft.com/office/powerpoint/2010/main">
+    <mc:Choice Requires="p14">
+      <p:transition spd="slow" p14:dur="1500">
+        <p:random/>
+      </p:transition>
+    </mc:Choice>
+    <mc:Fallback xmlns="">
+      <p:transition spd="slow">
+        <p:random/>
+      </p:transition>
+    </mc:Fallback>
+  </mc:AlternateContent>
+</p:sld>
+</file>
+
+<file path=ppt/slides/slide5.xml><?xml version="1.0" encoding="utf-8"?>
+<p:sld xmlns:a="http://schemas.openxmlformats.org/drawingml/2006/main" xmlns:r="http://schemas.openxmlformats.org/officeDocument/2006/relationships" xmlns:p="http://schemas.openxmlformats.org/presentationml/2006/main">
+  <p:cSld>
+    <p:spTree>
+      <p:nvGrpSpPr>
+        <p:cNvPr id="1" name=""/>
+        <p:cNvGrpSpPr/>
+        <p:nvPr/>
+      </p:nvGrpSpPr>
+      <p:grpSpPr>
+        <a:xfrm>
+          <a:off x="0" y="0"/>
+          <a:ext cx="0" cy="0"/>
+          <a:chOff x="0" y="0"/>
+          <a:chExt cx="0" cy="0"/>
+        </a:xfrm>
+      </p:grpSpPr>
+      <p:sp>
+        <p:nvSpPr>
+          <p:cNvPr id="2" name="標題 1"/>
+          <p:cNvSpPr>
+            <a:spLocks noGrp="1"/>
+          </p:cNvSpPr>
+          <p:nvPr>
+            <p:ph type="title"/>
+          </p:nvPr>
+        </p:nvSpPr>
+        <p:spPr/>
+        <p:txBody>
+          <a:bodyPr/>
+          <a:lstStyle/>
+          <a:p>
+            <a:r>
+              <a:rPr lang="en-US" altLang="zh-TW" dirty="0"/>
+              <a:t>DB</a:t>
+            </a:r>
+            <a:r>
+              <a:rPr lang="zh-TW" altLang="en-US" dirty="0"/>
+              <a:t>環境準備</a:t>
+            </a:r>
+          </a:p>
+        </p:txBody>
+      </p:sp>
+      <p:sp>
+        <p:nvSpPr>
+          <p:cNvPr id="3" name="內容版面配置區 2"/>
+          <p:cNvSpPr>
+            <a:spLocks noGrp="1"/>
+          </p:cNvSpPr>
+          <p:nvPr>
+            <p:ph idx="1"/>
+          </p:nvPr>
+        </p:nvSpPr>
+        <p:spPr/>
+        <p:txBody>
+          <a:bodyPr>
+            <a:normAutofit/>
+          </a:bodyPr>
+          <a:lstStyle/>
+          <a:p>
+            <a:r>
+              <a:rPr lang="zh-TW" altLang="en-US" dirty="0"/>
+              <a:t>建立資料</a:t>
+            </a:r>
+            <a:r>
+              <a:rPr lang="zh-TW" altLang="en-US" dirty="0" smtClean="0"/>
+              <a:t>表資料</a:t>
+            </a:r>
+            <a:endParaRPr lang="en-US" altLang="zh-TW" dirty="0" smtClean="0"/>
+          </a:p>
+          <a:p>
+            <a:pPr marL="228600" lvl="1">
+              <a:spcBef>
+                <a:spcPts val="1000"/>
+              </a:spcBef>
+            </a:pPr>
+            <a:r>
+              <a:rPr lang="en-US" altLang="zh-TW" dirty="0"/>
+              <a:t>Sex</a:t>
+            </a:r>
+          </a:p>
+          <a:p>
+            <a:pPr lvl="1"/>
+            <a:r>
+              <a:rPr lang="en-US" altLang="zh-TW" dirty="0"/>
+              <a:t>(</a:t>
+            </a:r>
+            <a:r>
+              <a:rPr lang="en-US" altLang="zh-TW" dirty="0" smtClean="0"/>
+              <a:t>0,</a:t>
+            </a:r>
+            <a:r>
+              <a:rPr lang="zh-TW" altLang="en-US" dirty="0" smtClean="0"/>
+              <a:t>男</a:t>
+            </a:r>
+            <a:r>
+              <a:rPr lang="en-US" altLang="zh-TW" dirty="0" smtClean="0"/>
+              <a:t>),(1,</a:t>
+            </a:r>
+            <a:r>
+              <a:rPr lang="zh-TW" altLang="en-US" dirty="0" smtClean="0"/>
+              <a:t>女</a:t>
+            </a:r>
+            <a:r>
+              <a:rPr lang="en-US" altLang="zh-TW" dirty="0" smtClean="0"/>
+              <a:t>)</a:t>
+            </a:r>
+          </a:p>
+          <a:p>
+            <a:r>
+              <a:rPr lang="en-US" altLang="zh-TW" dirty="0" smtClean="0"/>
+              <a:t>Education</a:t>
+            </a:r>
+          </a:p>
+          <a:p>
+            <a:pPr lvl="1"/>
+            <a:r>
+              <a:rPr lang="en-US" altLang="zh-TW" dirty="0" smtClean="0"/>
+              <a:t>(1,</a:t>
+            </a:r>
+            <a:r>
+              <a:rPr lang="zh-TW" altLang="en-US" dirty="0" smtClean="0"/>
+              <a:t>國民小學</a:t>
+            </a:r>
+            <a:r>
+              <a:rPr lang="en-US" altLang="zh-TW" dirty="0" smtClean="0"/>
+              <a:t>),(2,</a:t>
+            </a:r>
+            <a:r>
+              <a:rPr lang="zh-TW" altLang="en-US" dirty="0" smtClean="0"/>
+              <a:t>國民中學</a:t>
+            </a:r>
+            <a:r>
+              <a:rPr lang="en-US" altLang="zh-TW" dirty="0" smtClean="0"/>
+              <a:t>),(3,</a:t>
+            </a:r>
+            <a:r>
+              <a:rPr lang="zh-TW" altLang="en-US" dirty="0" smtClean="0"/>
+              <a:t>高級</a:t>
+            </a:r>
+            <a:r>
+              <a:rPr lang="zh-TW" altLang="en-US" dirty="0"/>
+              <a:t>中等</a:t>
+            </a:r>
+            <a:r>
+              <a:rPr lang="zh-TW" altLang="en-US" dirty="0" smtClean="0"/>
+              <a:t>學校</a:t>
+            </a:r>
+            <a:r>
+              <a:rPr lang="en-US" altLang="zh-TW" dirty="0" smtClean="0"/>
+              <a:t>),(4,</a:t>
+            </a:r>
+            <a:r>
+              <a:rPr lang="zh-TW" altLang="en-US" dirty="0" smtClean="0"/>
+              <a:t>五專</a:t>
+            </a:r>
+            <a:r>
+              <a:rPr lang="en-US" altLang="zh-TW" dirty="0" smtClean="0"/>
+              <a:t>),(5,</a:t>
+            </a:r>
+            <a:r>
+              <a:rPr lang="zh-TW" altLang="en-US" dirty="0" smtClean="0"/>
+              <a:t>大學</a:t>
+            </a:r>
+            <a:r>
+              <a:rPr lang="en-US" altLang="zh-TW" dirty="0" smtClean="0"/>
+              <a:t>),</a:t>
+            </a:r>
+            <a:br>
+              <a:rPr lang="en-US" altLang="zh-TW" dirty="0" smtClean="0"/>
+            </a:br>
+            <a:r>
+              <a:rPr lang="en-US" altLang="zh-TW" dirty="0" smtClean="0"/>
+              <a:t>(6,</a:t>
+            </a:r>
+            <a:r>
+              <a:rPr lang="zh-TW" altLang="en-US" dirty="0" smtClean="0"/>
+              <a:t>碩士</a:t>
+            </a:r>
+            <a:r>
+              <a:rPr lang="en-US" altLang="zh-TW" dirty="0" smtClean="0"/>
+              <a:t>),(7,</a:t>
+            </a:r>
+            <a:r>
+              <a:rPr lang="zh-TW" altLang="en-US" dirty="0" smtClean="0"/>
+              <a:t>博士</a:t>
+            </a:r>
+            <a:r>
+              <a:rPr lang="en-US" altLang="zh-TW" dirty="0" smtClean="0"/>
+              <a:t>)</a:t>
+            </a:r>
+          </a:p>
+          <a:p>
+            <a:r>
+              <a:rPr lang="en-US" altLang="zh-TW" dirty="0" err="1" smtClean="0"/>
+              <a:t>ProgrammingLanguage</a:t>
+            </a:r>
+            <a:endParaRPr lang="en-US" altLang="zh-TW" dirty="0" smtClean="0"/>
+          </a:p>
+          <a:p>
+            <a:pPr lvl="1"/>
+            <a:r>
+              <a:rPr lang="en-US" altLang="zh-TW" dirty="0" smtClean="0"/>
+              <a:t>(1,C#),(2,VB),(3,PHP),(4,JS),(5,GO),</a:t>
+            </a:r>
+            <a:endParaRPr lang="zh-TW" altLang="en-US" dirty="0"/>
+          </a:p>
+        </p:txBody>
+      </p:sp>
+    </p:spTree>
+    <p:extLst>
+      <p:ext uri="{BB962C8B-B14F-4D97-AF65-F5344CB8AC3E}">
+        <p14:creationId xmlns:p14="http://schemas.microsoft.com/office/powerpoint/2010/main" val="1513955382"/>
+      </p:ext>
+    </p:extLst>
+  </p:cSld>
+  <p:clrMapOvr>
+    <a:masterClrMapping/>
+  </p:clrMapOvr>
+  <mc:AlternateContent xmlns:mc="http://schemas.openxmlformats.org/markup-compatibility/2006" xmlns:p14="http://schemas.microsoft.com/office/powerpoint/2010/main">
+    <mc:Choice Requires="p14">
+      <p:transition spd="slow" p14:dur="1500">
+        <p:random/>
+      </p:transition>
+    </mc:Choice>
+    <mc:Fallback xmlns="">
+      <p:transition spd="slow">
+        <p:random/>
+      </p:transition>
+    </mc:Fallback>
+  </mc:AlternateContent>
+</p:sld>
+</file>
+
+<file path=ppt/slides/slide6.xml><?xml version="1.0" encoding="utf-8"?>
+<p:sld xmlns:a="http://schemas.openxmlformats.org/drawingml/2006/main" xmlns:r="http://schemas.openxmlformats.org/officeDocument/2006/relationships" xmlns:p="http://schemas.openxmlformats.org/presentationml/2006/main">
+  <p:cSld>
+    <p:spTree>
+      <p:nvGrpSpPr>
+        <p:cNvPr id="1" name=""/>
+        <p:cNvGrpSpPr/>
+        <p:nvPr/>
+      </p:nvGrpSpPr>
+      <p:grpSpPr>
+        <a:xfrm>
+          <a:off x="0" y="0"/>
+          <a:ext cx="0" cy="0"/>
+          <a:chOff x="0" y="0"/>
+          <a:chExt cx="0" cy="0"/>
+        </a:xfrm>
+      </p:grpSpPr>
+      <p:sp>
+        <p:nvSpPr>
+          <p:cNvPr id="2" name="標題 1"/>
+          <p:cNvSpPr>
+            <a:spLocks noGrp="1"/>
+          </p:cNvSpPr>
+          <p:nvPr>
+            <p:ph type="title"/>
+          </p:nvPr>
+        </p:nvSpPr>
+        <p:spPr/>
+        <p:txBody>
+          <a:bodyPr/>
+          <a:lstStyle/>
+          <a:p>
+            <a:r>
               <a:rPr lang="zh-TW" altLang="en-US" dirty="0" smtClean="0"/>
               <a:t>畫圖</a:t>
             </a:r>
@@ -7166,7 +9385,7 @@
         </p:nvSpPr>
         <p:spPr>
           <a:xfrm>
-            <a:off x="3710353" y="4095038"/>
+            <a:off x="3815861" y="5317923"/>
             <a:ext cx="2259623" cy="668216"/>
           </a:xfrm>
           <a:prstGeom prst="rect">
@@ -7210,7 +9429,7 @@
         </p:nvSpPr>
         <p:spPr>
           <a:xfrm>
-            <a:off x="1223930" y="4634299"/>
+            <a:off x="1223928" y="5652031"/>
             <a:ext cx="2259623" cy="668216"/>
           </a:xfrm>
           <a:prstGeom prst="rect">
@@ -7254,7 +9473,7 @@
         </p:nvSpPr>
         <p:spPr>
           <a:xfrm>
-            <a:off x="1223930" y="2741617"/>
+            <a:off x="1223930" y="2116701"/>
             <a:ext cx="2259623" cy="668216"/>
           </a:xfrm>
           <a:prstGeom prst="rect">
@@ -7283,8 +9502,8 @@
           <a:p>
             <a:pPr algn="ctr"/>
             <a:r>
-              <a:rPr lang="en-US" altLang="zh-TW" dirty="0" smtClean="0"/>
-              <a:t>controllers</a:t>
+              <a:rPr lang="en-US" altLang="zh-TW" dirty="0" err="1"/>
+              <a:t>DropDownList</a:t>
             </a:r>
             <a:endParaRPr lang="zh-TW" altLang="en-US" dirty="0"/>
           </a:p>
@@ -7298,7 +9517,7 @@
         </p:nvSpPr>
         <p:spPr>
           <a:xfrm>
-            <a:off x="3710352" y="4968407"/>
+            <a:off x="3815860" y="6191292"/>
             <a:ext cx="2259623" cy="668216"/>
           </a:xfrm>
           <a:prstGeom prst="rect">
@@ -7333,10 +9552,546 @@
           </a:p>
         </p:txBody>
       </p:sp>
+      <p:sp>
+        <p:nvSpPr>
+          <p:cNvPr id="12" name="矩形 11"/>
+          <p:cNvSpPr/>
+          <p:nvPr/>
+        </p:nvSpPr>
+        <p:spPr>
+          <a:xfrm>
+            <a:off x="1223929" y="2669785"/>
+            <a:ext cx="2259623" cy="668216"/>
+          </a:xfrm>
+          <a:prstGeom prst="rect">
+            <a:avLst/>
+          </a:prstGeom>
+        </p:spPr>
+        <p:style>
+          <a:lnRef idx="2">
+            <a:schemeClr val="accent1">
+              <a:shade val="50000"/>
+            </a:schemeClr>
+          </a:lnRef>
+          <a:fillRef idx="1">
+            <a:schemeClr val="accent1"/>
+          </a:fillRef>
+          <a:effectRef idx="0">
+            <a:schemeClr val="accent1"/>
+          </a:effectRef>
+          <a:fontRef idx="minor">
+            <a:schemeClr val="lt1"/>
+          </a:fontRef>
+        </p:style>
+        <p:txBody>
+          <a:bodyPr rtlCol="0" anchor="ctr"/>
+          <a:lstStyle/>
+          <a:p>
+            <a:pPr algn="ctr"/>
+            <a:r>
+              <a:rPr lang="en-US" altLang="zh-TW" dirty="0" err="1"/>
+              <a:t>DropDownList</a:t>
+            </a:r>
+            <a:endParaRPr lang="zh-TW" altLang="en-US" dirty="0"/>
+          </a:p>
+        </p:txBody>
+      </p:sp>
+      <p:sp>
+        <p:nvSpPr>
+          <p:cNvPr id="13" name="矩形 12"/>
+          <p:cNvSpPr/>
+          <p:nvPr/>
+        </p:nvSpPr>
+        <p:spPr>
+          <a:xfrm>
+            <a:off x="1223929" y="3222869"/>
+            <a:ext cx="2259623" cy="668216"/>
+          </a:xfrm>
+          <a:prstGeom prst="rect">
+            <a:avLst/>
+          </a:prstGeom>
+        </p:spPr>
+        <p:style>
+          <a:lnRef idx="2">
+            <a:schemeClr val="accent1">
+              <a:shade val="50000"/>
+            </a:schemeClr>
+          </a:lnRef>
+          <a:fillRef idx="1">
+            <a:schemeClr val="accent1"/>
+          </a:fillRef>
+          <a:effectRef idx="0">
+            <a:schemeClr val="accent1"/>
+          </a:effectRef>
+          <a:fontRef idx="minor">
+            <a:schemeClr val="lt1"/>
+          </a:fontRef>
+        </p:style>
+        <p:txBody>
+          <a:bodyPr rtlCol="0" anchor="ctr"/>
+          <a:lstStyle/>
+          <a:p>
+            <a:pPr algn="ctr"/>
+            <a:r>
+              <a:rPr lang="en-US" altLang="zh-TW" dirty="0" err="1"/>
+              <a:t>DropDownList</a:t>
+            </a:r>
+            <a:endParaRPr lang="zh-TW" altLang="en-US" dirty="0"/>
+          </a:p>
+        </p:txBody>
+      </p:sp>
+      <p:sp>
+        <p:nvSpPr>
+          <p:cNvPr id="14" name="矩形 13"/>
+          <p:cNvSpPr/>
+          <p:nvPr/>
+        </p:nvSpPr>
+        <p:spPr>
+          <a:xfrm>
+            <a:off x="1223929" y="3775953"/>
+            <a:ext cx="2259623" cy="668216"/>
+          </a:xfrm>
+          <a:prstGeom prst="rect">
+            <a:avLst/>
+          </a:prstGeom>
+        </p:spPr>
+        <p:style>
+          <a:lnRef idx="2">
+            <a:schemeClr val="accent1">
+              <a:shade val="50000"/>
+            </a:schemeClr>
+          </a:lnRef>
+          <a:fillRef idx="1">
+            <a:schemeClr val="accent1"/>
+          </a:fillRef>
+          <a:effectRef idx="0">
+            <a:schemeClr val="accent1"/>
+          </a:effectRef>
+          <a:fontRef idx="minor">
+            <a:schemeClr val="lt1"/>
+          </a:fontRef>
+        </p:style>
+        <p:txBody>
+          <a:bodyPr rtlCol="0" anchor="ctr"/>
+          <a:lstStyle/>
+          <a:p>
+            <a:pPr algn="ctr"/>
+            <a:r>
+              <a:rPr lang="en-US" altLang="zh-TW" dirty="0" err="1"/>
+              <a:t>DropDownList</a:t>
+            </a:r>
+            <a:endParaRPr lang="zh-TW" altLang="en-US" dirty="0"/>
+          </a:p>
+        </p:txBody>
+      </p:sp>
+      <p:sp>
+        <p:nvSpPr>
+          <p:cNvPr id="15" name="矩形 14"/>
+          <p:cNvSpPr/>
+          <p:nvPr/>
+        </p:nvSpPr>
+        <p:spPr>
+          <a:xfrm>
+            <a:off x="1223928" y="4300191"/>
+            <a:ext cx="2259623" cy="668216"/>
+          </a:xfrm>
+          <a:prstGeom prst="rect">
+            <a:avLst/>
+          </a:prstGeom>
+        </p:spPr>
+        <p:style>
+          <a:lnRef idx="2">
+            <a:schemeClr val="accent1">
+              <a:shade val="50000"/>
+            </a:schemeClr>
+          </a:lnRef>
+          <a:fillRef idx="1">
+            <a:schemeClr val="accent1"/>
+          </a:fillRef>
+          <a:effectRef idx="0">
+            <a:schemeClr val="accent1"/>
+          </a:effectRef>
+          <a:fontRef idx="minor">
+            <a:schemeClr val="lt1"/>
+          </a:fontRef>
+        </p:style>
+        <p:txBody>
+          <a:bodyPr rtlCol="0" anchor="ctr"/>
+          <a:lstStyle/>
+          <a:p>
+            <a:pPr algn="ctr"/>
+            <a:r>
+              <a:rPr lang="en-US" altLang="zh-TW" dirty="0" err="1"/>
+              <a:t>DropDownList</a:t>
+            </a:r>
+            <a:endParaRPr lang="zh-TW" altLang="en-US" dirty="0"/>
+          </a:p>
+        </p:txBody>
+      </p:sp>
+      <p:sp>
+        <p:nvSpPr>
+          <p:cNvPr id="16" name="矩形 15"/>
+          <p:cNvSpPr/>
+          <p:nvPr/>
+        </p:nvSpPr>
+        <p:spPr>
+          <a:xfrm>
+            <a:off x="1223928" y="4862730"/>
+            <a:ext cx="2259623" cy="668216"/>
+          </a:xfrm>
+          <a:prstGeom prst="rect">
+            <a:avLst/>
+          </a:prstGeom>
+        </p:spPr>
+        <p:style>
+          <a:lnRef idx="2">
+            <a:schemeClr val="accent1">
+              <a:shade val="50000"/>
+            </a:schemeClr>
+          </a:lnRef>
+          <a:fillRef idx="1">
+            <a:schemeClr val="accent1"/>
+          </a:fillRef>
+          <a:effectRef idx="0">
+            <a:schemeClr val="accent1"/>
+          </a:effectRef>
+          <a:fontRef idx="minor">
+            <a:schemeClr val="lt1"/>
+          </a:fontRef>
+        </p:style>
+        <p:txBody>
+          <a:bodyPr rtlCol="0" anchor="ctr"/>
+          <a:lstStyle/>
+          <a:p>
+            <a:pPr algn="ctr"/>
+            <a:r>
+              <a:rPr lang="en-US" altLang="zh-TW" dirty="0" err="1"/>
+              <a:t>DropDownList</a:t>
+            </a:r>
+            <a:endParaRPr lang="zh-TW" altLang="en-US" dirty="0"/>
+          </a:p>
+        </p:txBody>
+      </p:sp>
     </p:spTree>
     <p:extLst>
       <p:ext uri="{BB962C8B-B14F-4D97-AF65-F5344CB8AC3E}">
         <p14:creationId xmlns:p14="http://schemas.microsoft.com/office/powerpoint/2010/main" val="4212267441"/>
+      </p:ext>
+    </p:extLst>
+  </p:cSld>
+  <p:clrMapOvr>
+    <a:masterClrMapping/>
+  </p:clrMapOvr>
+  <mc:AlternateContent xmlns:mc="http://schemas.openxmlformats.org/markup-compatibility/2006" xmlns:p14="http://schemas.microsoft.com/office/powerpoint/2010/main">
+    <mc:Choice Requires="p14">
+      <p:transition spd="slow" p14:dur="1500">
+        <p:random/>
+      </p:transition>
+    </mc:Choice>
+    <mc:Fallback xmlns="">
+      <p:transition spd="slow">
+        <p:random/>
+      </p:transition>
+    </mc:Fallback>
+  </mc:AlternateContent>
+</p:sld>
+</file>
+
+<file path=ppt/slides/slide7.xml><?xml version="1.0" encoding="utf-8"?>
+<p:sld xmlns:a="http://schemas.openxmlformats.org/drawingml/2006/main" xmlns:r="http://schemas.openxmlformats.org/officeDocument/2006/relationships" xmlns:p="http://schemas.openxmlformats.org/presentationml/2006/main">
+  <p:cSld>
+    <p:spTree>
+      <p:nvGrpSpPr>
+        <p:cNvPr id="1" name=""/>
+        <p:cNvGrpSpPr/>
+        <p:nvPr/>
+      </p:nvGrpSpPr>
+      <p:grpSpPr>
+        <a:xfrm>
+          <a:off x="0" y="0"/>
+          <a:ext cx="0" cy="0"/>
+          <a:chOff x="0" y="0"/>
+          <a:chExt cx="0" cy="0"/>
+        </a:xfrm>
+      </p:grpSpPr>
+      <p:sp>
+        <p:nvSpPr>
+          <p:cNvPr id="2" name="標題 1"/>
+          <p:cNvSpPr>
+            <a:spLocks noGrp="1"/>
+          </p:cNvSpPr>
+          <p:nvPr>
+            <p:ph type="title"/>
+          </p:nvPr>
+        </p:nvSpPr>
+        <p:spPr/>
+        <p:txBody>
+          <a:bodyPr/>
+          <a:lstStyle/>
+          <a:p>
+            <a:r>
+              <a:rPr lang="en-US" altLang="zh-TW" dirty="0" err="1" smtClean="0"/>
+              <a:t>SqlDataSource</a:t>
+            </a:r>
+            <a:endParaRPr lang="zh-TW" altLang="en-US" dirty="0"/>
+          </a:p>
+        </p:txBody>
+      </p:sp>
+      <p:sp>
+        <p:nvSpPr>
+          <p:cNvPr id="3" name="內容版面配置區 2"/>
+          <p:cNvSpPr>
+            <a:spLocks noGrp="1"/>
+          </p:cNvSpPr>
+          <p:nvPr>
+            <p:ph idx="1"/>
+          </p:nvPr>
+        </p:nvSpPr>
+        <p:spPr/>
+        <p:txBody>
+          <a:bodyPr/>
+          <a:lstStyle/>
+          <a:p>
+            <a:r>
+              <a:rPr lang="zh-TW" altLang="en-US" dirty="0" smtClean="0"/>
+              <a:t>說明</a:t>
+            </a:r>
+            <a:endParaRPr lang="en-US" altLang="zh-TW" dirty="0" smtClean="0"/>
+          </a:p>
+          <a:p>
+            <a:r>
+              <a:rPr lang="zh-TW" altLang="en-US" dirty="0"/>
+              <a:t>設定步驟</a:t>
+            </a:r>
+            <a:endParaRPr lang="en-US" altLang="zh-TW" dirty="0" smtClean="0"/>
+          </a:p>
+        </p:txBody>
+      </p:sp>
+    </p:spTree>
+    <p:extLst>
+      <p:ext uri="{BB962C8B-B14F-4D97-AF65-F5344CB8AC3E}">
+        <p14:creationId xmlns:p14="http://schemas.microsoft.com/office/powerpoint/2010/main" val="2717618531"/>
+      </p:ext>
+    </p:extLst>
+  </p:cSld>
+  <p:clrMapOvr>
+    <a:masterClrMapping/>
+  </p:clrMapOvr>
+  <mc:AlternateContent xmlns:mc="http://schemas.openxmlformats.org/markup-compatibility/2006" xmlns:p14="http://schemas.microsoft.com/office/powerpoint/2010/main">
+    <mc:Choice Requires="p14">
+      <p:transition spd="slow" p14:dur="1500">
+        <p:random/>
+      </p:transition>
+    </mc:Choice>
+    <mc:Fallback xmlns="">
+      <p:transition spd="slow">
+        <p:random/>
+      </p:transition>
+    </mc:Fallback>
+  </mc:AlternateContent>
+</p:sld>
+</file>
+
+<file path=ppt/slides/slide8.xml><?xml version="1.0" encoding="utf-8"?>
+<p:sld xmlns:a="http://schemas.openxmlformats.org/drawingml/2006/main" xmlns:r="http://schemas.openxmlformats.org/officeDocument/2006/relationships" xmlns:p="http://schemas.openxmlformats.org/presentationml/2006/main">
+  <p:cSld>
+    <p:spTree>
+      <p:nvGrpSpPr>
+        <p:cNvPr id="1" name=""/>
+        <p:cNvGrpSpPr/>
+        <p:nvPr/>
+      </p:nvGrpSpPr>
+      <p:grpSpPr>
+        <a:xfrm>
+          <a:off x="0" y="0"/>
+          <a:ext cx="0" cy="0"/>
+          <a:chOff x="0" y="0"/>
+          <a:chExt cx="0" cy="0"/>
+        </a:xfrm>
+      </p:grpSpPr>
+      <p:sp>
+        <p:nvSpPr>
+          <p:cNvPr id="2" name="標題 1"/>
+          <p:cNvSpPr>
+            <a:spLocks noGrp="1"/>
+          </p:cNvSpPr>
+          <p:nvPr>
+            <p:ph type="title"/>
+          </p:nvPr>
+        </p:nvSpPr>
+        <p:spPr/>
+        <p:txBody>
+          <a:bodyPr/>
+          <a:lstStyle/>
+          <a:p>
+            <a:r>
+              <a:rPr lang="en-US" altLang="zh-TW" dirty="0" err="1" smtClean="0"/>
+              <a:t>SqlDataSource</a:t>
+            </a:r>
+            <a:r>
+              <a:rPr lang="en-US" altLang="zh-TW" dirty="0" smtClean="0"/>
+              <a:t>+</a:t>
+            </a:r>
+            <a:r>
+              <a:rPr lang="zh-TW" altLang="en-US" dirty="0" smtClean="0"/>
+              <a:t>選項</a:t>
+            </a:r>
+            <a:endParaRPr lang="zh-TW" altLang="en-US" dirty="0"/>
+          </a:p>
+        </p:txBody>
+      </p:sp>
+      <p:sp>
+        <p:nvSpPr>
+          <p:cNvPr id="3" name="內容版面配置區 2"/>
+          <p:cNvSpPr>
+            <a:spLocks noGrp="1"/>
+          </p:cNvSpPr>
+          <p:nvPr>
+            <p:ph idx="1"/>
+          </p:nvPr>
+        </p:nvSpPr>
+        <p:spPr/>
+        <p:txBody>
+          <a:bodyPr/>
+          <a:lstStyle/>
+          <a:p>
+            <a:r>
+              <a:rPr lang="en-US" altLang="zh-TW" dirty="0" err="1"/>
+              <a:t>SqlDataSource</a:t>
+            </a:r>
+            <a:r>
+              <a:rPr lang="en-US" altLang="zh-TW" dirty="0"/>
+              <a:t> + </a:t>
+            </a:r>
+            <a:r>
+              <a:rPr lang="en-US" altLang="zh-TW" dirty="0" err="1"/>
+              <a:t>DropDownList</a:t>
+            </a:r>
+            <a:endParaRPr lang="en-US" altLang="zh-TW" dirty="0"/>
+          </a:p>
+          <a:p>
+            <a:r>
+              <a:rPr lang="en-US" altLang="zh-TW" dirty="0" err="1"/>
+              <a:t>SqlDataSource</a:t>
+            </a:r>
+            <a:r>
+              <a:rPr lang="en-US" altLang="zh-TW" dirty="0"/>
+              <a:t> + </a:t>
+            </a:r>
+            <a:r>
+              <a:rPr lang="en-US" altLang="zh-TW" dirty="0" err="1"/>
+              <a:t>CheckBoxList</a:t>
+            </a:r>
+            <a:endParaRPr lang="en-US" altLang="zh-TW" dirty="0"/>
+          </a:p>
+          <a:p>
+            <a:r>
+              <a:rPr lang="en-US" altLang="zh-TW" dirty="0" err="1"/>
+              <a:t>SqlDataSource</a:t>
+            </a:r>
+            <a:r>
+              <a:rPr lang="en-US" altLang="zh-TW" dirty="0"/>
+              <a:t> + </a:t>
+            </a:r>
+            <a:r>
+              <a:rPr lang="en-US" altLang="zh-TW" dirty="0" err="1"/>
+              <a:t>RadioButtonList</a:t>
+            </a:r>
+            <a:endParaRPr lang="en-US" altLang="zh-TW" dirty="0"/>
+          </a:p>
+          <a:p>
+            <a:endParaRPr lang="zh-TW" altLang="en-US" dirty="0"/>
+          </a:p>
+        </p:txBody>
+      </p:sp>
+    </p:spTree>
+    <p:extLst>
+      <p:ext uri="{BB962C8B-B14F-4D97-AF65-F5344CB8AC3E}">
+        <p14:creationId xmlns:p14="http://schemas.microsoft.com/office/powerpoint/2010/main" val="2017117968"/>
+      </p:ext>
+    </p:extLst>
+  </p:cSld>
+  <p:clrMapOvr>
+    <a:masterClrMapping/>
+  </p:clrMapOvr>
+  <mc:AlternateContent xmlns:mc="http://schemas.openxmlformats.org/markup-compatibility/2006" xmlns:p14="http://schemas.microsoft.com/office/powerpoint/2010/main">
+    <mc:Choice Requires="p14">
+      <p:transition spd="slow" p14:dur="1500">
+        <p:random/>
+      </p:transition>
+    </mc:Choice>
+    <mc:Fallback xmlns="">
+      <p:transition spd="slow">
+        <p:random/>
+      </p:transition>
+    </mc:Fallback>
+  </mc:AlternateContent>
+</p:sld>
+</file>
+
+<file path=ppt/slides/slide9.xml><?xml version="1.0" encoding="utf-8"?>
+<p:sld xmlns:a="http://schemas.openxmlformats.org/drawingml/2006/main" xmlns:r="http://schemas.openxmlformats.org/officeDocument/2006/relationships" xmlns:p="http://schemas.openxmlformats.org/presentationml/2006/main">
+  <p:cSld>
+    <p:spTree>
+      <p:nvGrpSpPr>
+        <p:cNvPr id="1" name=""/>
+        <p:cNvGrpSpPr/>
+        <p:nvPr/>
+      </p:nvGrpSpPr>
+      <p:grpSpPr>
+        <a:xfrm>
+          <a:off x="0" y="0"/>
+          <a:ext cx="0" cy="0"/>
+          <a:chOff x="0" y="0"/>
+          <a:chExt cx="0" cy="0"/>
+        </a:xfrm>
+      </p:grpSpPr>
+      <p:sp>
+        <p:nvSpPr>
+          <p:cNvPr id="2" name="標題 1"/>
+          <p:cNvSpPr>
+            <a:spLocks noGrp="1"/>
+          </p:cNvSpPr>
+          <p:nvPr>
+            <p:ph type="title"/>
+          </p:nvPr>
+        </p:nvSpPr>
+        <p:spPr/>
+        <p:txBody>
+          <a:bodyPr/>
+          <a:lstStyle/>
+          <a:p>
+            <a:r>
+              <a:rPr lang="zh-TW" altLang="en-US" dirty="0" smtClean="0"/>
+              <a:t>印出選擇的資料</a:t>
+            </a:r>
+            <a:endParaRPr lang="zh-TW" altLang="en-US" dirty="0"/>
+          </a:p>
+        </p:txBody>
+      </p:sp>
+      <p:sp>
+        <p:nvSpPr>
+          <p:cNvPr id="3" name="內容版面配置區 2"/>
+          <p:cNvSpPr>
+            <a:spLocks noGrp="1"/>
+          </p:cNvSpPr>
+          <p:nvPr>
+            <p:ph idx="1"/>
+          </p:nvPr>
+        </p:nvSpPr>
+        <p:spPr/>
+        <p:txBody>
+          <a:bodyPr/>
+          <a:lstStyle/>
+          <a:p>
+            <a:endParaRPr lang="zh-TW" altLang="en-US"/>
+          </a:p>
+        </p:txBody>
+      </p:sp>
+    </p:spTree>
+    <p:extLst>
+      <p:ext uri="{BB962C8B-B14F-4D97-AF65-F5344CB8AC3E}">
+        <p14:creationId xmlns:p14="http://schemas.microsoft.com/office/powerpoint/2010/main" val="257982907"/>
       </p:ext>
     </p:extLst>
   </p:cSld>
